--- a/8.SCSS/8.pptx
+++ b/8.SCSS/8.pptx
@@ -12,22 +12,23 @@
     <p:sldId id="280" r:id="rId6"/>
     <p:sldId id="281" r:id="rId7"/>
     <p:sldId id="282" r:id="rId8"/>
-    <p:sldId id="257" r:id="rId9"/>
-    <p:sldId id="258" r:id="rId10"/>
-    <p:sldId id="259" r:id="rId11"/>
-    <p:sldId id="260" r:id="rId12"/>
-    <p:sldId id="261" r:id="rId13"/>
-    <p:sldId id="262" r:id="rId14"/>
-    <p:sldId id="263" r:id="rId15"/>
-    <p:sldId id="264" r:id="rId16"/>
-    <p:sldId id="265" r:id="rId17"/>
-    <p:sldId id="266" r:id="rId18"/>
-    <p:sldId id="267" r:id="rId19"/>
-    <p:sldId id="268" r:id="rId20"/>
-    <p:sldId id="269" r:id="rId21"/>
-    <p:sldId id="270" r:id="rId22"/>
-    <p:sldId id="271" r:id="rId23"/>
-    <p:sldId id="272" r:id="rId24"/>
+    <p:sldId id="283" r:id="rId9"/>
+    <p:sldId id="257" r:id="rId10"/>
+    <p:sldId id="258" r:id="rId11"/>
+    <p:sldId id="259" r:id="rId12"/>
+    <p:sldId id="260" r:id="rId13"/>
+    <p:sldId id="261" r:id="rId14"/>
+    <p:sldId id="262" r:id="rId15"/>
+    <p:sldId id="263" r:id="rId16"/>
+    <p:sldId id="264" r:id="rId17"/>
+    <p:sldId id="265" r:id="rId18"/>
+    <p:sldId id="266" r:id="rId19"/>
+    <p:sldId id="267" r:id="rId20"/>
+    <p:sldId id="268" r:id="rId21"/>
+    <p:sldId id="269" r:id="rId22"/>
+    <p:sldId id="270" r:id="rId23"/>
+    <p:sldId id="271" r:id="rId24"/>
+    <p:sldId id="272" r:id="rId25"/>
   </p:sldIdLst>
   <p:sldSz cx="12192000" cy="6858000"/>
   <p:notesSz cx="6858000" cy="9144000"/>
@@ -297,7 +298,7 @@
           <a:p>
             <a:fld id="{1160EA64-D806-43AC-9DF2-F8C432F32B4C}" type="datetimeFigureOut">
               <a:rPr lang="en-US" dirty="0"/>
-              <a:t>10/18/2024</a:t>
+              <a:t>10/17/2025</a:t>
             </a:fld>
             <a:endParaRPr lang="en-US" dirty="0"/>
           </a:p>
@@ -463,7 +464,7 @@
           <a:p>
             <a:fld id="{E9F9C37B-1D36-470B-8223-D6C91242EC14}" type="datetimeFigureOut">
               <a:rPr lang="en-US" dirty="0"/>
-              <a:t>10/18/2024</a:t>
+              <a:t>10/17/2025</a:t>
             </a:fld>
             <a:endParaRPr lang="en-US" dirty="0"/>
           </a:p>
@@ -638,7 +639,7 @@
           <a:p>
             <a:fld id="{67C6F52A-A82B-47A2-A83A-8C4C91F2D59F}" type="datetimeFigureOut">
               <a:rPr lang="en-US" dirty="0"/>
-              <a:t>10/18/2024</a:t>
+              <a:t>10/17/2025</a:t>
             </a:fld>
             <a:endParaRPr lang="en-US" dirty="0"/>
           </a:p>
@@ -803,7 +804,7 @@
           <a:p>
             <a:fld id="{F070A7B3-6521-4DCA-87E5-044747A908C1}" type="datetimeFigureOut">
               <a:rPr lang="en-US" dirty="0"/>
-              <a:t>10/18/2024</a:t>
+              <a:t>10/17/2025</a:t>
             </a:fld>
             <a:endParaRPr lang="en-US" dirty="0"/>
           </a:p>
@@ -1067,7 +1068,7 @@
           <a:p>
             <a:fld id="{1160EA64-D806-43AC-9DF2-F8C432F32B4C}" type="datetimeFigureOut">
               <a:rPr lang="en-US" dirty="0"/>
-              <a:t>10/18/2024</a:t>
+              <a:t>10/17/2025</a:t>
             </a:fld>
             <a:endParaRPr lang="en-US" dirty="0"/>
           </a:p>
@@ -1295,7 +1296,7 @@
           <a:p>
             <a:fld id="{AB134690-1557-4C89-A502-4959FE7FAD70}" type="datetimeFigureOut">
               <a:rPr lang="en-US" dirty="0"/>
-              <a:t>10/18/2024</a:t>
+              <a:t>10/17/2025</a:t>
             </a:fld>
             <a:endParaRPr lang="en-US" dirty="0"/>
           </a:p>
@@ -1649,7 +1650,7 @@
           <a:p>
             <a:fld id="{4F7D4976-E339-4826-83B7-FBD03F55ECF8}" type="datetimeFigureOut">
               <a:rPr lang="en-US" dirty="0"/>
-              <a:t>10/18/2024</a:t>
+              <a:t>10/17/2025</a:t>
             </a:fld>
             <a:endParaRPr lang="en-US" dirty="0"/>
           </a:p>
@@ -1785,7 +1786,7 @@
           <a:p>
             <a:fld id="{E1037C31-9E7A-4F99-8774-A0E530DE1A42}" type="datetimeFigureOut">
               <a:rPr lang="en-US" dirty="0"/>
-              <a:t>10/18/2024</a:t>
+              <a:t>10/17/2025</a:t>
             </a:fld>
             <a:endParaRPr lang="en-US" dirty="0"/>
           </a:p>
@@ -1875,7 +1876,7 @@
           <a:p>
             <a:fld id="{C278504F-A551-4DE0-9316-4DCD1D8CC752}" type="datetimeFigureOut">
               <a:rPr lang="en-US" dirty="0"/>
-              <a:t>10/18/2024</a:t>
+              <a:t>10/17/2025</a:t>
             </a:fld>
             <a:endParaRPr lang="en-US" dirty="0"/>
           </a:p>
@@ -2227,7 +2228,7 @@
           <a:p>
             <a:fld id="{D1BE4249-C0D0-4B06-8692-E8BB871AF643}" type="datetimeFigureOut">
               <a:rPr lang="en-US" dirty="0"/>
-              <a:t>10/18/2024</a:t>
+              <a:t>10/17/2025</a:t>
             </a:fld>
             <a:endParaRPr lang="en-US" dirty="0"/>
           </a:p>
@@ -2579,7 +2580,7 @@
           <a:p>
             <a:fld id="{042B0DB6-F5C7-45FB-8CF3-31B45F9C2DAC}" type="datetimeFigureOut">
               <a:rPr lang="en-US" dirty="0"/>
-              <a:t>10/18/2024</a:t>
+              <a:t>10/17/2025</a:t>
             </a:fld>
             <a:endParaRPr lang="en-US" dirty="0"/>
           </a:p>
@@ -2816,7 +2817,7 @@
           <a:p>
             <a:fld id="{1160EA64-D806-43AC-9DF2-F8C432F32B4C}" type="datetimeFigureOut">
               <a:rPr lang="en-US" dirty="0"/>
-              <a:t>10/18/2024</a:t>
+              <a:t>10/17/2025</a:t>
             </a:fld>
             <a:endParaRPr lang="en-US" dirty="0"/>
           </a:p>
@@ -3398,12 +3399,17 @@
           <a:p>
             <a:r>
               <a:rPr lang="ru-RU" dirty="0"/>
-              <a:t>Как начать использовать </a:t>
-            </a:r>
-            <a:r>
-              <a:rPr lang="en-US" dirty="0"/>
-              <a:t>SCSS?</a:t>
-            </a:r>
+              <a:t>Для чего нужен </a:t>
+            </a:r>
+            <a:r>
+              <a:rPr lang="en-US" dirty="0" err="1"/>
+              <a:t>Scss</a:t>
+            </a:r>
+            <a:r>
+              <a:rPr lang="ru-RU" dirty="0"/>
+              <a:t>?</a:t>
+            </a:r>
+            <a:endParaRPr lang="en-US" dirty="0"/>
           </a:p>
         </p:txBody>
       </p:sp>
@@ -3426,12 +3432,12 @@
         <p:spPr>
           <a:xfrm>
             <a:off x="164829" y="737993"/>
-            <a:ext cx="11888626" cy="342662"/>
+            <a:ext cx="11888626" cy="2331778"/>
           </a:xfrm>
         </p:spPr>
         <p:txBody>
           <a:bodyPr>
-            <a:normAutofit lnSpcReduction="10000"/>
+            <a:normAutofit/>
           </a:bodyPr>
           <a:lstStyle/>
           <a:p>
@@ -3439,38 +3445,86 @@
               <a:buNone/>
             </a:pPr>
             <a:r>
-              <a:rPr lang="en-US" dirty="0"/>
-              <a:t>1. </a:t>
-            </a:r>
-            <a:r>
-              <a:rPr lang="ru-RU" dirty="0"/>
-              <a:t>Установить при помощи команды </a:t>
-            </a:r>
-            <a:r>
-              <a:rPr lang="en-US" dirty="0" err="1">
-                <a:solidFill>
-                  <a:srgbClr val="FF0000"/>
-                </a:solidFill>
-              </a:rPr>
-              <a:t>npm</a:t>
-            </a:r>
-            <a:r>
-              <a:rPr lang="en-US" dirty="0">
-                <a:solidFill>
-                  <a:srgbClr val="FF0000"/>
-                </a:solidFill>
-              </a:rPr>
-              <a:t> install -g sass</a:t>
-            </a:r>
-          </a:p>
-        </p:txBody>
-      </p:sp>
-      <p:sp>
-        <p:nvSpPr>
-          <p:cNvPr id="11" name="TextBox 10">
-            <a:extLst>
-              <a:ext uri="{FF2B5EF4-FFF2-40B4-BE49-F238E27FC236}">
-                <a16:creationId xmlns:a16="http://schemas.microsoft.com/office/drawing/2014/main" id="{63B1ECBD-ECFE-4274-9CCB-A502ADB34A61}"/>
+              <a:rPr lang="ru-RU" dirty="0"/>
+              <a:t>Препроцессор SCSS помогает:</a:t>
+            </a:r>
+          </a:p>
+          <a:p>
+            <a:r>
+              <a:rPr lang="ru-RU" b="1" dirty="0"/>
+              <a:t>сделать CSS-код понятнее и проще</a:t>
+            </a:r>
+            <a:r>
+              <a:rPr lang="ru-RU" dirty="0"/>
+              <a:t>. Его легче масштабировать, обновлять и поддерживать;</a:t>
+            </a:r>
+          </a:p>
+          <a:p>
+            <a:r>
+              <a:rPr lang="ru-RU" b="1" dirty="0"/>
+              <a:t>расширить функциональность.</a:t>
+            </a:r>
+            <a:r>
+              <a:rPr lang="ru-RU" dirty="0"/>
+              <a:t> С помощью </a:t>
+            </a:r>
+            <a:r>
+              <a:rPr lang="ru-RU" dirty="0" err="1"/>
+              <a:t>Sass</a:t>
+            </a:r>
+            <a:r>
+              <a:rPr lang="ru-RU" dirty="0"/>
+              <a:t> можно использовать CSS-константы, встроенные функции, вложенные правила, примеси (смешанные стили), наследование и так далее;</a:t>
+            </a:r>
+          </a:p>
+          <a:p>
+            <a:r>
+              <a:rPr lang="ru-RU" b="1" dirty="0"/>
+              <a:t>избежать многократного повторения одинаковых фрагментов кода</a:t>
+            </a:r>
+            <a:r>
+              <a:rPr lang="ru-RU" dirty="0"/>
+              <a:t>. Это экономит время разработчика, уменьшает объем файлов стилей и ускоряет обработку страниц.</a:t>
+            </a:r>
+          </a:p>
+        </p:txBody>
+      </p:sp>
+      <p:pic>
+        <p:nvPicPr>
+          <p:cNvPr id="6" name="Picture 5">
+            <a:extLst>
+              <a:ext uri="{FF2B5EF4-FFF2-40B4-BE49-F238E27FC236}">
+                <a16:creationId xmlns:a16="http://schemas.microsoft.com/office/drawing/2014/main" id="{BD482C16-7C84-41A4-BE08-847BACE45FDB}"/>
+              </a:ext>
+            </a:extLst>
+          </p:cNvPr>
+          <p:cNvPicPr>
+            <a:picLocks noChangeAspect="1"/>
+          </p:cNvPicPr>
+          <p:nvPr/>
+        </p:nvPicPr>
+        <p:blipFill>
+          <a:blip r:embed="rId2"/>
+          <a:stretch>
+            <a:fillRect/>
+          </a:stretch>
+        </p:blipFill>
+        <p:spPr>
+          <a:xfrm>
+            <a:off x="2236903" y="3105396"/>
+            <a:ext cx="7744477" cy="3117274"/>
+          </a:xfrm>
+          <a:prstGeom prst="rect">
+            <a:avLst/>
+          </a:prstGeom>
+        </p:spPr>
+      </p:pic>
+      <p:sp>
+        <p:nvSpPr>
+          <p:cNvPr id="8" name="TextBox 7">
+            <a:extLst>
+              <a:ext uri="{FF2B5EF4-FFF2-40B4-BE49-F238E27FC236}">
+                <a16:creationId xmlns:a16="http://schemas.microsoft.com/office/drawing/2014/main" id="{0D80519B-DFB5-43AB-96AC-18C45802C463}"/>
               </a:ext>
             </a:extLst>
           </p:cNvPr>
@@ -3479,8 +3533,8 @@
         </p:nvSpPr>
         <p:spPr>
           <a:xfrm>
-            <a:off x="164829" y="1613548"/>
-            <a:ext cx="6095010" cy="369332"/>
+            <a:off x="5153890" y="6258296"/>
+            <a:ext cx="2089355" cy="369332"/>
           </a:xfrm>
           <a:prstGeom prst="rect">
             <a:avLst/>
@@ -3488,324 +3542,59 @@
           <a:noFill/>
         </p:spPr>
         <p:txBody>
-          <a:bodyPr wrap="square">
+          <a:bodyPr wrap="none" rtlCol="0">
             <a:spAutoFit/>
           </a:bodyPr>
           <a:lstStyle/>
           <a:p>
-            <a:pPr marL="0" indent="0">
-              <a:buNone/>
-            </a:pPr>
-            <a:r>
-              <a:rPr lang="en-US" dirty="0"/>
-              <a:t>2. </a:t>
-            </a:r>
-            <a:r>
-              <a:rPr lang="ru-RU" dirty="0"/>
-              <a:t>Создать файл с расширением </a:t>
-            </a:r>
-            <a:r>
-              <a:rPr lang="en-US" dirty="0"/>
-              <a:t>.</a:t>
-            </a:r>
-            <a:r>
-              <a:rPr lang="en-US" dirty="0" err="1"/>
-              <a:t>scss</a:t>
-            </a:r>
-            <a:endParaRPr lang="ru-RU" dirty="0"/>
-          </a:p>
-        </p:txBody>
-      </p:sp>
-      <p:sp>
-        <p:nvSpPr>
-          <p:cNvPr id="13" name="TextBox 12">
-            <a:extLst>
-              <a:ext uri="{FF2B5EF4-FFF2-40B4-BE49-F238E27FC236}">
-                <a16:creationId xmlns:a16="http://schemas.microsoft.com/office/drawing/2014/main" id="{008214AD-9EEE-4AEF-8734-C40B70F5FDFF}"/>
-              </a:ext>
-            </a:extLst>
-          </p:cNvPr>
-          <p:cNvSpPr txBox="1"/>
-          <p:nvPr/>
-        </p:nvSpPr>
-        <p:spPr>
-          <a:xfrm>
-            <a:off x="151687" y="2399701"/>
-            <a:ext cx="11888626" cy="369332"/>
-          </a:xfrm>
-          <a:prstGeom prst="rect">
-            <a:avLst/>
-          </a:prstGeom>
-          <a:noFill/>
-        </p:spPr>
-        <p:txBody>
-          <a:bodyPr wrap="square">
-            <a:spAutoFit/>
-          </a:bodyPr>
-          <a:lstStyle/>
-          <a:p>
-            <a:r>
-              <a:rPr lang="ru-RU" dirty="0"/>
-              <a:t>3</a:t>
-            </a:r>
-            <a:r>
-              <a:rPr lang="en-US" dirty="0"/>
-              <a:t>. </a:t>
-            </a:r>
-            <a:r>
-              <a:rPr lang="ru-RU" dirty="0" err="1"/>
-              <a:t>Транспилировать</a:t>
-            </a:r>
-            <a:r>
-              <a:rPr lang="ru-RU" dirty="0"/>
-              <a:t> </a:t>
-            </a:r>
-            <a:r>
-              <a:rPr lang="en-US" dirty="0" err="1"/>
-              <a:t>scss</a:t>
-            </a:r>
-            <a:r>
-              <a:rPr lang="ru-RU" dirty="0"/>
-              <a:t>-файл в </a:t>
-            </a:r>
-            <a:r>
-              <a:rPr lang="en-US" dirty="0" err="1"/>
-              <a:t>css</a:t>
-            </a:r>
-            <a:r>
-              <a:rPr lang="en-US" dirty="0"/>
-              <a:t>-</a:t>
-            </a:r>
-            <a:r>
-              <a:rPr lang="ru-RU" dirty="0"/>
-              <a:t>файл запустив в консоли команду </a:t>
+            <a:r>
+              <a:rPr lang="ru-RU" dirty="0">
+                <a:solidFill>
+                  <a:schemeClr val="tx1">
+                    <a:lumMod val="65000"/>
+                    <a:lumOff val="35000"/>
+                  </a:schemeClr>
+                </a:solidFill>
+              </a:rPr>
+              <a:t>Пример </a:t>
             </a:r>
             <a:r>
               <a:rPr lang="en-US" dirty="0">
                 <a:solidFill>
-                  <a:srgbClr val="EB5757"/>
-                </a:solidFill>
-                <a:effectLst/>
-                <a:latin typeface="SFMono-Regular"/>
-              </a:rPr>
-              <a:t>sass </a:t>
-            </a:r>
-            <a:r>
-              <a:rPr lang="en-US" dirty="0" err="1">
-                <a:solidFill>
-                  <a:srgbClr val="EB5757"/>
-                </a:solidFill>
-                <a:effectLst/>
-                <a:latin typeface="SFMono-Regular"/>
-              </a:rPr>
-              <a:t>input.scss</a:t>
-            </a:r>
-            <a:r>
-              <a:rPr lang="en-US" dirty="0">
-                <a:solidFill>
-                  <a:srgbClr val="EB5757"/>
-                </a:solidFill>
-                <a:effectLst/>
-                <a:latin typeface="SFMono-Regular"/>
-              </a:rPr>
-              <a:t> output.css</a:t>
-            </a:r>
-            <a:endParaRPr lang="en-US" dirty="0"/>
-          </a:p>
-        </p:txBody>
-      </p:sp>
-      <p:sp>
-        <p:nvSpPr>
-          <p:cNvPr id="17" name="TextBox 16">
-            <a:extLst>
-              <a:ext uri="{FF2B5EF4-FFF2-40B4-BE49-F238E27FC236}">
-                <a16:creationId xmlns:a16="http://schemas.microsoft.com/office/drawing/2014/main" id="{460859C6-8D65-473C-953F-72D4E28400FC}"/>
-              </a:ext>
-            </a:extLst>
-          </p:cNvPr>
-          <p:cNvSpPr txBox="1"/>
-          <p:nvPr/>
-        </p:nvSpPr>
-        <p:spPr>
-          <a:xfrm>
-            <a:off x="375557" y="2897709"/>
-            <a:ext cx="6095010" cy="369332"/>
-          </a:xfrm>
-          <a:prstGeom prst="rect">
-            <a:avLst/>
-          </a:prstGeom>
-          <a:noFill/>
-        </p:spPr>
-        <p:txBody>
-          <a:bodyPr wrap="square">
-            <a:spAutoFit/>
-          </a:bodyPr>
-          <a:lstStyle/>
-          <a:p>
-            <a:r>
-              <a:rPr lang="en-US" dirty="0" err="1">
-                <a:solidFill>
-                  <a:srgbClr val="EB5757"/>
-                </a:solidFill>
-                <a:effectLst/>
-                <a:latin typeface="SFMono-Regular"/>
-              </a:rPr>
-              <a:t>input.scss</a:t>
-            </a:r>
-            <a:r>
-              <a:rPr lang="en-US" dirty="0"/>
-              <a:t> - </a:t>
-            </a:r>
-            <a:r>
-              <a:rPr lang="ru-RU" dirty="0"/>
-              <a:t>исходный </a:t>
-            </a:r>
-            <a:r>
-              <a:rPr lang="en-US" dirty="0" err="1"/>
-              <a:t>scss</a:t>
-            </a:r>
-            <a:r>
-              <a:rPr lang="en-US" dirty="0"/>
-              <a:t> </a:t>
-            </a:r>
-            <a:r>
-              <a:rPr lang="ru-RU" dirty="0"/>
-              <a:t>файл</a:t>
-            </a:r>
-            <a:endParaRPr lang="en-US" dirty="0"/>
-          </a:p>
-        </p:txBody>
-      </p:sp>
-      <p:sp>
-        <p:nvSpPr>
-          <p:cNvPr id="19" name="TextBox 18">
-            <a:extLst>
-              <a:ext uri="{FF2B5EF4-FFF2-40B4-BE49-F238E27FC236}">
-                <a16:creationId xmlns:a16="http://schemas.microsoft.com/office/drawing/2014/main" id="{DD1EEDCC-68DA-4E74-A818-A94FA25C8018}"/>
-              </a:ext>
-            </a:extLst>
-          </p:cNvPr>
-          <p:cNvSpPr txBox="1"/>
-          <p:nvPr/>
-        </p:nvSpPr>
-        <p:spPr>
-          <a:xfrm>
-            <a:off x="375557" y="3452882"/>
-            <a:ext cx="6095010" cy="369332"/>
-          </a:xfrm>
-          <a:prstGeom prst="rect">
-            <a:avLst/>
-          </a:prstGeom>
-          <a:noFill/>
-        </p:spPr>
-        <p:txBody>
-          <a:bodyPr wrap="square">
-            <a:spAutoFit/>
-          </a:bodyPr>
-          <a:lstStyle/>
-          <a:p>
+                  <a:schemeClr val="tx1">
+                    <a:lumMod val="65000"/>
+                    <a:lumOff val="35000"/>
+                  </a:schemeClr>
+                </a:solidFill>
+              </a:rPr>
+              <a:t>SCSS </a:t>
+            </a:r>
             <a:r>
               <a:rPr lang="ru-RU" dirty="0">
                 <a:solidFill>
-                  <a:srgbClr val="EB5757"/>
-                </a:solidFill>
-                <a:effectLst/>
-                <a:latin typeface="SFMono-Regular"/>
-              </a:rPr>
-              <a:t>output.css</a:t>
-            </a:r>
-            <a:r>
-              <a:rPr lang="ru-RU" dirty="0"/>
-              <a:t> - файл </a:t>
-            </a:r>
-            <a:r>
-              <a:rPr lang="ru-RU" dirty="0" err="1"/>
-              <a:t>css</a:t>
-            </a:r>
-            <a:r>
-              <a:rPr lang="ru-RU" dirty="0"/>
-              <a:t> получившийся после </a:t>
-            </a:r>
-            <a:r>
-              <a:rPr lang="ru-RU" dirty="0" err="1"/>
-              <a:t>транспиляции</a:t>
-            </a:r>
-            <a:r>
-              <a:rPr lang="ru-RU" dirty="0"/>
-              <a:t>.</a:t>
-            </a:r>
-            <a:endParaRPr lang="en-US" dirty="0"/>
-          </a:p>
-        </p:txBody>
-      </p:sp>
-      <p:sp>
-        <p:nvSpPr>
-          <p:cNvPr id="21" name="TextBox 20">
-            <a:extLst>
-              <a:ext uri="{FF2B5EF4-FFF2-40B4-BE49-F238E27FC236}">
-                <a16:creationId xmlns:a16="http://schemas.microsoft.com/office/drawing/2014/main" id="{1571DE0F-2D77-4BC3-8A88-7F4B49E8B6A2}"/>
-              </a:ext>
-            </a:extLst>
-          </p:cNvPr>
-          <p:cNvSpPr txBox="1"/>
-          <p:nvPr/>
-        </p:nvSpPr>
-        <p:spPr>
-          <a:xfrm>
-            <a:off x="164829" y="4088079"/>
-            <a:ext cx="6095010" cy="369332"/>
-          </a:xfrm>
-          <a:prstGeom prst="rect">
-            <a:avLst/>
-          </a:prstGeom>
-          <a:noFill/>
-        </p:spPr>
-        <p:txBody>
-          <a:bodyPr wrap="square">
-            <a:spAutoFit/>
-          </a:bodyPr>
-          <a:lstStyle/>
-          <a:p>
-            <a:r>
-              <a:rPr lang="ru-RU" dirty="0"/>
-              <a:t>4</a:t>
-            </a:r>
-            <a:r>
-              <a:rPr lang="en-US" dirty="0"/>
-              <a:t>. </a:t>
-            </a:r>
-            <a:r>
-              <a:rPr lang="ru-RU" dirty="0"/>
-              <a:t>Подключить </a:t>
-            </a:r>
-            <a:r>
-              <a:rPr lang="en-US" dirty="0" err="1"/>
-              <a:t>css</a:t>
-            </a:r>
-            <a:r>
-              <a:rPr lang="en-US" dirty="0"/>
-              <a:t> </a:t>
-            </a:r>
-            <a:r>
-              <a:rPr lang="ru-RU" dirty="0"/>
-              <a:t>стили в </a:t>
-            </a:r>
-            <a:r>
-              <a:rPr lang="en-US" dirty="0"/>
-              <a:t>html</a:t>
-            </a:r>
-            <a:r>
-              <a:rPr lang="ru-RU" dirty="0"/>
-              <a:t>-файл</a:t>
-            </a:r>
-            <a:endParaRPr lang="en-US" dirty="0"/>
+                  <a:schemeClr val="tx1">
+                    <a:lumMod val="65000"/>
+                    <a:lumOff val="35000"/>
+                  </a:schemeClr>
+                </a:solidFill>
+              </a:rPr>
+              <a:t>кода</a:t>
+            </a:r>
+            <a:endParaRPr lang="en-US" dirty="0">
+              <a:solidFill>
+                <a:schemeClr val="tx1">
+                  <a:lumMod val="65000"/>
+                  <a:lumOff val="35000"/>
+                </a:schemeClr>
+              </a:solidFill>
+            </a:endParaRPr>
           </a:p>
         </p:txBody>
       </p:sp>
     </p:spTree>
     <p:extLst>
       <p:ext uri="{BB962C8B-B14F-4D97-AF65-F5344CB8AC3E}">
-        <p14:creationId xmlns:p14="http://schemas.microsoft.com/office/powerpoint/2010/main" val="2975594614"/>
+        <p14:creationId xmlns:p14="http://schemas.microsoft.com/office/powerpoint/2010/main" val="4281733297"/>
       </p:ext>
     </p:extLst>
   </p:cSld>
@@ -3862,21 +3651,21 @@
           <a:p>
             <a:r>
               <a:rPr lang="ru-RU" dirty="0"/>
-              <a:t>Переменные в </a:t>
+              <a:t>Как начать использовать </a:t>
             </a:r>
             <a:r>
               <a:rPr lang="en-US" dirty="0"/>
-              <a:t>SCSS</a:t>
-            </a:r>
-          </a:p>
-        </p:txBody>
-      </p:sp>
-      <p:sp>
-        <p:nvSpPr>
-          <p:cNvPr id="9" name="Content Placeholder 8">
-            <a:extLst>
-              <a:ext uri="{FF2B5EF4-FFF2-40B4-BE49-F238E27FC236}">
-                <a16:creationId xmlns:a16="http://schemas.microsoft.com/office/drawing/2014/main" id="{472591F3-ABD3-47C3-AC47-3BB38CFA201E}"/>
+              <a:t>SCSS?</a:t>
+            </a:r>
+          </a:p>
+        </p:txBody>
+      </p:sp>
+      <p:sp>
+        <p:nvSpPr>
+          <p:cNvPr id="3" name="Content Placeholder 2">
+            <a:extLst>
+              <a:ext uri="{FF2B5EF4-FFF2-40B4-BE49-F238E27FC236}">
+                <a16:creationId xmlns:a16="http://schemas.microsoft.com/office/drawing/2014/main" id="{AECA9BB9-E9D7-49E6-821D-EF95804D26C0}"/>
               </a:ext>
             </a:extLst>
           </p:cNvPr>
@@ -3889,13 +3678,13 @@
         </p:nvSpPr>
         <p:spPr>
           <a:xfrm>
-            <a:off x="164829" y="714243"/>
-            <a:ext cx="4021223" cy="2153648"/>
+            <a:off x="164829" y="737993"/>
+            <a:ext cx="11888626" cy="342662"/>
           </a:xfrm>
         </p:spPr>
         <p:txBody>
           <a:bodyPr>
-            <a:normAutofit fontScale="70000" lnSpcReduction="20000"/>
+            <a:normAutofit lnSpcReduction="10000"/>
           </a:bodyPr>
           <a:lstStyle/>
           <a:p>
@@ -3903,108 +3692,375 @@
               <a:buNone/>
             </a:pPr>
             <a:r>
+              <a:rPr lang="en-US" dirty="0"/>
+              <a:t>1. </a:t>
+            </a:r>
+            <a:r>
+              <a:rPr lang="ru-RU" dirty="0"/>
+              <a:t>Установить при помощи команды </a:t>
+            </a:r>
+            <a:r>
+              <a:rPr lang="en-US" dirty="0" err="1">
+                <a:solidFill>
+                  <a:srgbClr val="FF0000"/>
+                </a:solidFill>
+              </a:rPr>
+              <a:t>npm</a:t>
+            </a:r>
+            <a:r>
+              <a:rPr lang="en-US" dirty="0">
+                <a:solidFill>
+                  <a:srgbClr val="FF0000"/>
+                </a:solidFill>
+              </a:rPr>
+              <a:t> install -g sass</a:t>
+            </a:r>
+          </a:p>
+        </p:txBody>
+      </p:sp>
+      <p:sp>
+        <p:nvSpPr>
+          <p:cNvPr id="11" name="TextBox 10">
+            <a:extLst>
+              <a:ext uri="{FF2B5EF4-FFF2-40B4-BE49-F238E27FC236}">
+                <a16:creationId xmlns:a16="http://schemas.microsoft.com/office/drawing/2014/main" id="{63B1ECBD-ECFE-4274-9CCB-A502ADB34A61}"/>
+              </a:ext>
+            </a:extLst>
+          </p:cNvPr>
+          <p:cNvSpPr txBox="1"/>
+          <p:nvPr/>
+        </p:nvSpPr>
+        <p:spPr>
+          <a:xfrm>
+            <a:off x="164829" y="1079901"/>
+            <a:ext cx="6095010" cy="369332"/>
+          </a:xfrm>
+          <a:prstGeom prst="rect">
+            <a:avLst/>
+          </a:prstGeom>
+          <a:noFill/>
+        </p:spPr>
+        <p:txBody>
+          <a:bodyPr wrap="square">
+            <a:spAutoFit/>
+          </a:bodyPr>
+          <a:lstStyle/>
+          <a:p>
+            <a:pPr marL="0" indent="0">
+              <a:buNone/>
+            </a:pPr>
+            <a:r>
+              <a:rPr lang="en-US" dirty="0"/>
+              <a:t>2. </a:t>
+            </a:r>
+            <a:r>
+              <a:rPr lang="ru-RU" dirty="0"/>
+              <a:t>Создать файл с расширением </a:t>
+            </a:r>
+            <a:r>
+              <a:rPr lang="en-US" dirty="0"/>
+              <a:t>.</a:t>
+            </a:r>
+            <a:r>
+              <a:rPr lang="en-US" dirty="0" err="1"/>
+              <a:t>scss</a:t>
+            </a:r>
+            <a:endParaRPr lang="ru-RU" dirty="0"/>
+          </a:p>
+        </p:txBody>
+      </p:sp>
+      <p:sp>
+        <p:nvSpPr>
+          <p:cNvPr id="13" name="TextBox 12">
+            <a:extLst>
+              <a:ext uri="{FF2B5EF4-FFF2-40B4-BE49-F238E27FC236}">
+                <a16:creationId xmlns:a16="http://schemas.microsoft.com/office/drawing/2014/main" id="{008214AD-9EEE-4AEF-8734-C40B70F5FDFF}"/>
+              </a:ext>
+            </a:extLst>
+          </p:cNvPr>
+          <p:cNvSpPr txBox="1"/>
+          <p:nvPr/>
+        </p:nvSpPr>
+        <p:spPr>
+          <a:xfrm>
+            <a:off x="151687" y="1421809"/>
+            <a:ext cx="11888626" cy="369332"/>
+          </a:xfrm>
+          <a:prstGeom prst="rect">
+            <a:avLst/>
+          </a:prstGeom>
+          <a:noFill/>
+        </p:spPr>
+        <p:txBody>
+          <a:bodyPr wrap="square">
+            <a:spAutoFit/>
+          </a:bodyPr>
+          <a:lstStyle/>
+          <a:p>
+            <a:r>
+              <a:rPr lang="ru-RU" dirty="0"/>
+              <a:t>3</a:t>
+            </a:r>
+            <a:r>
+              <a:rPr lang="en-US" dirty="0"/>
+              <a:t>. </a:t>
+            </a:r>
+            <a:r>
               <a:rPr lang="ru-RU" dirty="0" err="1"/>
-              <a:t>Sass</a:t>
-            </a:r>
-            <a:r>
-              <a:rPr lang="ru-RU" dirty="0"/>
-              <a:t> поддерживает несколько типов переменных:</a:t>
-            </a:r>
-          </a:p>
-          <a:p>
-            <a:pPr>
-              <a:lnSpc>
-                <a:spcPct val="110000"/>
-              </a:lnSpc>
-              <a:buFont typeface="Arial" panose="020B0604020202020204" pitchFamily="34" charset="0"/>
-              <a:buChar char="•"/>
-            </a:pPr>
-            <a:r>
-              <a:rPr lang="ru-RU" dirty="0"/>
-              <a:t>строки;</a:t>
-            </a:r>
-          </a:p>
-          <a:p>
-            <a:pPr>
-              <a:lnSpc>
-                <a:spcPct val="110000"/>
-              </a:lnSpc>
-              <a:buFont typeface="Arial" panose="020B0604020202020204" pitchFamily="34" charset="0"/>
-              <a:buChar char="•"/>
-            </a:pPr>
-            <a:r>
-              <a:rPr lang="ru-RU" dirty="0"/>
-              <a:t>списки;</a:t>
-            </a:r>
-          </a:p>
-          <a:p>
-            <a:pPr>
-              <a:lnSpc>
-                <a:spcPct val="110000"/>
-              </a:lnSpc>
-              <a:buFont typeface="Arial" panose="020B0604020202020204" pitchFamily="34" charset="0"/>
-              <a:buChar char="•"/>
-            </a:pPr>
-            <a:r>
-              <a:rPr lang="ru-RU" dirty="0"/>
-              <a:t>числовые значения;</a:t>
-            </a:r>
-          </a:p>
-          <a:p>
-            <a:pPr>
-              <a:lnSpc>
-                <a:spcPct val="110000"/>
-              </a:lnSpc>
-              <a:buFont typeface="Arial" panose="020B0604020202020204" pitchFamily="34" charset="0"/>
-              <a:buChar char="•"/>
-            </a:pPr>
-            <a:r>
-              <a:rPr lang="ru-RU" dirty="0"/>
-              <a:t>пустые значения </a:t>
+              <a:t>Транспилировать</a:t>
+            </a:r>
+            <a:r>
+              <a:rPr lang="ru-RU" dirty="0"/>
+              <a:t> </a:t>
+            </a:r>
+            <a:r>
+              <a:rPr lang="en-US" dirty="0" err="1"/>
+              <a:t>scss</a:t>
+            </a:r>
+            <a:r>
+              <a:rPr lang="ru-RU" dirty="0"/>
+              <a:t>-файл в </a:t>
+            </a:r>
+            <a:r>
+              <a:rPr lang="en-US" dirty="0" err="1"/>
+              <a:t>css</a:t>
+            </a:r>
+            <a:r>
+              <a:rPr lang="en-US" dirty="0"/>
+              <a:t>-</a:t>
+            </a:r>
+            <a:r>
+              <a:rPr lang="ru-RU" dirty="0"/>
+              <a:t>файл запустив в консоли команду </a:t>
+            </a:r>
+            <a:r>
+              <a:rPr lang="en-US" dirty="0">
+                <a:solidFill>
+                  <a:srgbClr val="EB5757"/>
+                </a:solidFill>
+                <a:effectLst/>
+                <a:latin typeface="SFMono-Regular"/>
+              </a:rPr>
+              <a:t>sass </a:t>
+            </a:r>
+            <a:r>
+              <a:rPr lang="en-US" dirty="0" err="1">
+                <a:solidFill>
+                  <a:srgbClr val="EB5757"/>
+                </a:solidFill>
+                <a:effectLst/>
+                <a:latin typeface="SFMono-Regular"/>
+              </a:rPr>
+              <a:t>input.scss</a:t>
+            </a:r>
+            <a:r>
+              <a:rPr lang="en-US" dirty="0">
+                <a:solidFill>
+                  <a:srgbClr val="EB5757"/>
+                </a:solidFill>
+                <a:effectLst/>
+                <a:latin typeface="SFMono-Regular"/>
+              </a:rPr>
+              <a:t> output.css</a:t>
+            </a:r>
+            <a:endParaRPr lang="en-US" dirty="0"/>
+          </a:p>
+        </p:txBody>
+      </p:sp>
+      <p:sp>
+        <p:nvSpPr>
+          <p:cNvPr id="17" name="TextBox 16">
+            <a:extLst>
+              <a:ext uri="{FF2B5EF4-FFF2-40B4-BE49-F238E27FC236}">
+                <a16:creationId xmlns:a16="http://schemas.microsoft.com/office/drawing/2014/main" id="{460859C6-8D65-473C-953F-72D4E28400FC}"/>
+              </a:ext>
+            </a:extLst>
+          </p:cNvPr>
+          <p:cNvSpPr txBox="1"/>
+          <p:nvPr/>
+        </p:nvSpPr>
+        <p:spPr>
+          <a:xfrm>
+            <a:off x="375557" y="1726105"/>
+            <a:ext cx="6095010" cy="369332"/>
+          </a:xfrm>
+          <a:prstGeom prst="rect">
+            <a:avLst/>
+          </a:prstGeom>
+          <a:noFill/>
+        </p:spPr>
+        <p:txBody>
+          <a:bodyPr wrap="square">
+            <a:spAutoFit/>
+          </a:bodyPr>
+          <a:lstStyle/>
+          <a:p>
+            <a:r>
+              <a:rPr lang="en-US" dirty="0" err="1">
+                <a:solidFill>
+                  <a:srgbClr val="EB5757"/>
+                </a:solidFill>
+                <a:effectLst/>
+                <a:latin typeface="SFMono-Regular"/>
+              </a:rPr>
+              <a:t>input.scss</a:t>
+            </a:r>
+            <a:r>
+              <a:rPr lang="en-US" dirty="0"/>
+              <a:t> - </a:t>
+            </a:r>
+            <a:r>
+              <a:rPr lang="ru-RU" dirty="0"/>
+              <a:t>исходный </a:t>
+            </a:r>
+            <a:r>
+              <a:rPr lang="en-US" dirty="0" err="1"/>
+              <a:t>scss</a:t>
+            </a:r>
+            <a:r>
+              <a:rPr lang="en-US" dirty="0"/>
+              <a:t> </a:t>
+            </a:r>
+            <a:r>
+              <a:rPr lang="ru-RU" dirty="0"/>
+              <a:t>файл</a:t>
+            </a:r>
+            <a:endParaRPr lang="en-US" dirty="0"/>
+          </a:p>
+        </p:txBody>
+      </p:sp>
+      <p:sp>
+        <p:nvSpPr>
+          <p:cNvPr id="19" name="TextBox 18">
+            <a:extLst>
+              <a:ext uri="{FF2B5EF4-FFF2-40B4-BE49-F238E27FC236}">
+                <a16:creationId xmlns:a16="http://schemas.microsoft.com/office/drawing/2014/main" id="{DD1EEDCC-68DA-4E74-A818-A94FA25C8018}"/>
+              </a:ext>
+            </a:extLst>
+          </p:cNvPr>
+          <p:cNvSpPr txBox="1"/>
+          <p:nvPr/>
+        </p:nvSpPr>
+        <p:spPr>
+          <a:xfrm>
+            <a:off x="375557" y="2095437"/>
+            <a:ext cx="6095010" cy="369332"/>
+          </a:xfrm>
+          <a:prstGeom prst="rect">
+            <a:avLst/>
+          </a:prstGeom>
+          <a:noFill/>
+        </p:spPr>
+        <p:txBody>
+          <a:bodyPr wrap="square">
+            <a:spAutoFit/>
+          </a:bodyPr>
+          <a:lstStyle/>
+          <a:p>
+            <a:r>
+              <a:rPr lang="ru-RU" dirty="0">
+                <a:solidFill>
+                  <a:srgbClr val="EB5757"/>
+                </a:solidFill>
+                <a:effectLst/>
+                <a:latin typeface="SFMono-Regular"/>
+              </a:rPr>
+              <a:t>output.css</a:t>
+            </a:r>
+            <a:r>
+              <a:rPr lang="ru-RU" dirty="0"/>
+              <a:t> - файл </a:t>
             </a:r>
             <a:r>
               <a:rPr lang="ru-RU" dirty="0" err="1"/>
-              <a:t>null</a:t>
-            </a:r>
-            <a:r>
-              <a:rPr lang="ru-RU" dirty="0"/>
-              <a:t>;</a:t>
-            </a:r>
-          </a:p>
-          <a:p>
-            <a:pPr>
-              <a:lnSpc>
-                <a:spcPct val="110000"/>
-              </a:lnSpc>
-              <a:buFont typeface="Arial" panose="020B0604020202020204" pitchFamily="34" charset="0"/>
-              <a:buChar char="•"/>
-            </a:pPr>
-            <a:r>
-              <a:rPr lang="ru-RU" dirty="0"/>
-              <a:t>цвета;</a:t>
-            </a:r>
-          </a:p>
-          <a:p>
-            <a:pPr>
-              <a:lnSpc>
-                <a:spcPct val="110000"/>
-              </a:lnSpc>
-              <a:buFont typeface="Arial" panose="020B0604020202020204" pitchFamily="34" charset="0"/>
-              <a:buChar char="•"/>
-            </a:pPr>
-            <a:r>
-              <a:rPr lang="ru-RU" dirty="0"/>
-              <a:t>логические (булевы) значения.</a:t>
-            </a:r>
+              <a:t>css</a:t>
+            </a:r>
+            <a:r>
+              <a:rPr lang="ru-RU" dirty="0"/>
+              <a:t> получившийся после </a:t>
+            </a:r>
+            <a:r>
+              <a:rPr lang="ru-RU" dirty="0" err="1"/>
+              <a:t>транспиляции</a:t>
+            </a:r>
+            <a:r>
+              <a:rPr lang="ru-RU" dirty="0"/>
+              <a:t>.</a:t>
+            </a:r>
+            <a:endParaRPr lang="en-US" dirty="0"/>
+          </a:p>
+        </p:txBody>
+      </p:sp>
+      <p:sp>
+        <p:nvSpPr>
+          <p:cNvPr id="21" name="TextBox 20">
+            <a:extLst>
+              <a:ext uri="{FF2B5EF4-FFF2-40B4-BE49-F238E27FC236}">
+                <a16:creationId xmlns:a16="http://schemas.microsoft.com/office/drawing/2014/main" id="{1571DE0F-2D77-4BC3-8A88-7F4B49E8B6A2}"/>
+              </a:ext>
+            </a:extLst>
+          </p:cNvPr>
+          <p:cNvSpPr txBox="1"/>
+          <p:nvPr/>
+        </p:nvSpPr>
+        <p:spPr>
+          <a:xfrm>
+            <a:off x="164829" y="2464769"/>
+            <a:ext cx="6095010" cy="369332"/>
+          </a:xfrm>
+          <a:prstGeom prst="rect">
+            <a:avLst/>
+          </a:prstGeom>
+          <a:noFill/>
+        </p:spPr>
+        <p:txBody>
+          <a:bodyPr wrap="square">
+            <a:spAutoFit/>
+          </a:bodyPr>
+          <a:lstStyle/>
+          <a:p>
+            <a:r>
+              <a:rPr lang="ru-RU" dirty="0"/>
+              <a:t>4</a:t>
+            </a:r>
+            <a:r>
+              <a:rPr lang="en-US" dirty="0"/>
+              <a:t>. </a:t>
+            </a:r>
+            <a:r>
+              <a:rPr lang="ru-RU" dirty="0"/>
+              <a:t>Подключить </a:t>
+            </a:r>
+            <a:r>
+              <a:rPr lang="en-US" dirty="0" err="1"/>
+              <a:t>css</a:t>
+            </a:r>
+            <a:r>
+              <a:rPr lang="en-US" dirty="0"/>
+              <a:t> </a:t>
+            </a:r>
+            <a:r>
+              <a:rPr lang="ru-RU" dirty="0"/>
+              <a:t>стили в </a:t>
+            </a:r>
+            <a:r>
+              <a:rPr lang="en-US" dirty="0"/>
+              <a:t>html</a:t>
+            </a:r>
+            <a:r>
+              <a:rPr lang="ru-RU" dirty="0"/>
+              <a:t>-файл</a:t>
+            </a:r>
+            <a:endParaRPr lang="en-US" dirty="0"/>
           </a:p>
         </p:txBody>
       </p:sp>
       <p:pic>
         <p:nvPicPr>
-          <p:cNvPr id="14" name="Picture 13">
-            <a:extLst>
-              <a:ext uri="{FF2B5EF4-FFF2-40B4-BE49-F238E27FC236}">
-                <a16:creationId xmlns:a16="http://schemas.microsoft.com/office/drawing/2014/main" id="{5E28AF54-2589-4FA7-8E49-7832EE870183}"/>
+          <p:cNvPr id="5" name="Picture 4">
+            <a:extLst>
+              <a:ext uri="{FF2B5EF4-FFF2-40B4-BE49-F238E27FC236}">
+                <a16:creationId xmlns:a16="http://schemas.microsoft.com/office/drawing/2014/main" id="{A10858CA-847E-4542-B0F3-63CE80BA37BD}"/>
               </a:ext>
             </a:extLst>
           </p:cNvPr>
@@ -4021,50 +4077,20 @@
         </p:blipFill>
         <p:spPr>
           <a:xfrm>
-            <a:off x="4459244" y="919890"/>
-            <a:ext cx="7125135" cy="2672759"/>
+            <a:off x="270404" y="3507729"/>
+            <a:ext cx="5114925" cy="3257550"/>
           </a:xfrm>
           <a:prstGeom prst="rect">
             <a:avLst/>
           </a:prstGeom>
         </p:spPr>
       </p:pic>
-      <p:pic>
-        <p:nvPicPr>
-          <p:cNvPr id="16" name="Picture 15">
-            <a:extLst>
-              <a:ext uri="{FF2B5EF4-FFF2-40B4-BE49-F238E27FC236}">
-                <a16:creationId xmlns:a16="http://schemas.microsoft.com/office/drawing/2014/main" id="{24E73BE6-7CBB-4223-9736-46C44B8E4AB4}"/>
-              </a:ext>
-            </a:extLst>
-          </p:cNvPr>
-          <p:cNvPicPr>
-            <a:picLocks noChangeAspect="1"/>
-          </p:cNvPicPr>
-          <p:nvPr/>
-        </p:nvPicPr>
-        <p:blipFill>
-          <a:blip r:embed="rId3"/>
-          <a:stretch>
-            <a:fillRect/>
-          </a:stretch>
-        </p:blipFill>
-        <p:spPr>
-          <a:xfrm>
-            <a:off x="164829" y="3862764"/>
-            <a:ext cx="8114528" cy="2574004"/>
-          </a:xfrm>
-          <a:prstGeom prst="rect">
-            <a:avLst/>
-          </a:prstGeom>
-        </p:spPr>
-      </p:pic>
-      <p:sp>
-        <p:nvSpPr>
-          <p:cNvPr id="18" name="TextBox 17">
-            <a:extLst>
-              <a:ext uri="{FF2B5EF4-FFF2-40B4-BE49-F238E27FC236}">
-                <a16:creationId xmlns:a16="http://schemas.microsoft.com/office/drawing/2014/main" id="{14DCB1E1-9C06-48F2-8A21-9C9ED6CE24D1}"/>
+      <p:sp>
+        <p:nvSpPr>
+          <p:cNvPr id="12" name="TextBox 11">
+            <a:extLst>
+              <a:ext uri="{FF2B5EF4-FFF2-40B4-BE49-F238E27FC236}">
+                <a16:creationId xmlns:a16="http://schemas.microsoft.com/office/drawing/2014/main" id="{206F8233-463E-4E5E-B491-94D8E5B531ED}"/>
               </a:ext>
             </a:extLst>
           </p:cNvPr>
@@ -4073,8 +4099,8 @@
         </p:nvSpPr>
         <p:spPr>
           <a:xfrm>
-            <a:off x="1905990" y="3562597"/>
-            <a:ext cx="1055097" cy="369332"/>
+            <a:off x="5636600" y="4882194"/>
+            <a:ext cx="1667933" cy="369332"/>
           </a:xfrm>
           <a:prstGeom prst="rect">
             <a:avLst/>
@@ -4082,58 +4108,26 @@
           <a:noFill/>
         </p:spPr>
         <p:txBody>
-          <a:bodyPr wrap="none" rtlCol="0">
+          <a:bodyPr wrap="square">
             <a:spAutoFit/>
           </a:bodyPr>
           <a:lstStyle/>
           <a:p>
             <a:r>
-              <a:rPr lang="en-US" dirty="0" err="1"/>
-              <a:t>css</a:t>
-            </a:r>
-            <a:r>
-              <a:rPr lang="ru-RU" dirty="0"/>
-              <a:t>-файл</a:t>
-            </a:r>
-            <a:endParaRPr lang="en-US" dirty="0"/>
-          </a:p>
-        </p:txBody>
-      </p:sp>
-      <p:sp>
-        <p:nvSpPr>
-          <p:cNvPr id="20" name="TextBox 19">
-            <a:extLst>
-              <a:ext uri="{FF2B5EF4-FFF2-40B4-BE49-F238E27FC236}">
-                <a16:creationId xmlns:a16="http://schemas.microsoft.com/office/drawing/2014/main" id="{D46680BF-FCEB-4816-A5DF-C92945179EE2}"/>
-              </a:ext>
-            </a:extLst>
-          </p:cNvPr>
-          <p:cNvSpPr txBox="1"/>
-          <p:nvPr/>
-        </p:nvSpPr>
-        <p:spPr>
-          <a:xfrm>
-            <a:off x="7297388" y="614265"/>
-            <a:ext cx="1143262" cy="369332"/>
-          </a:xfrm>
-          <a:prstGeom prst="rect">
-            <a:avLst/>
-          </a:prstGeom>
-          <a:noFill/>
-        </p:spPr>
-        <p:txBody>
-          <a:bodyPr wrap="none" rtlCol="0">
-            <a:spAutoFit/>
-          </a:bodyPr>
-          <a:lstStyle/>
-          <a:p>
-            <a:r>
-              <a:rPr lang="en-US" dirty="0" err="1"/>
-              <a:t>scss</a:t>
-            </a:r>
-            <a:r>
-              <a:rPr lang="ru-RU" dirty="0"/>
-              <a:t>-файл</a:t>
+              <a:rPr lang="en-US" dirty="0" err="1">
+                <a:solidFill>
+                  <a:srgbClr val="FF0000"/>
+                </a:solidFill>
+              </a:rPr>
+              <a:t>npm</a:t>
+            </a:r>
+            <a:r>
+              <a:rPr lang="en-US" dirty="0">
+                <a:solidFill>
+                  <a:srgbClr val="FF0000"/>
+                </a:solidFill>
+              </a:rPr>
+              <a:t> run build</a:t>
             </a:r>
             <a:endParaRPr lang="en-US" dirty="0"/>
           </a:p>
@@ -4142,7 +4136,7 @@
     </p:spTree>
     <p:extLst>
       <p:ext uri="{BB962C8B-B14F-4D97-AF65-F5344CB8AC3E}">
-        <p14:creationId xmlns:p14="http://schemas.microsoft.com/office/powerpoint/2010/main" val="3779910493"/>
+        <p14:creationId xmlns:p14="http://schemas.microsoft.com/office/powerpoint/2010/main" val="2975594614"/>
       </p:ext>
     </p:extLst>
   </p:cSld>
@@ -4208,21 +4202,147 @@
           </a:p>
         </p:txBody>
       </p:sp>
-      <p:pic>
-        <p:nvPicPr>
-          <p:cNvPr id="6" name="Content Placeholder 5">
-            <a:extLst>
-              <a:ext uri="{FF2B5EF4-FFF2-40B4-BE49-F238E27FC236}">
-                <a16:creationId xmlns:a16="http://schemas.microsoft.com/office/drawing/2014/main" id="{3BC68C66-87F5-474E-A0F8-6627F4C08F1D}"/>
-              </a:ext>
-            </a:extLst>
-          </p:cNvPr>
-          <p:cNvPicPr>
-            <a:picLocks noGrp="1" noChangeAspect="1"/>
-          </p:cNvPicPr>
+      <p:sp>
+        <p:nvSpPr>
+          <p:cNvPr id="9" name="Content Placeholder 8">
+            <a:extLst>
+              <a:ext uri="{FF2B5EF4-FFF2-40B4-BE49-F238E27FC236}">
+                <a16:creationId xmlns:a16="http://schemas.microsoft.com/office/drawing/2014/main" id="{472591F3-ABD3-47C3-AC47-3BB38CFA201E}"/>
+              </a:ext>
+            </a:extLst>
+          </p:cNvPr>
+          <p:cNvSpPr>
+            <a:spLocks noGrp="1"/>
+          </p:cNvSpPr>
           <p:nvPr>
             <p:ph idx="1"/>
           </p:nvPr>
+        </p:nvSpPr>
+        <p:spPr>
+          <a:xfrm>
+            <a:off x="164829" y="714243"/>
+            <a:ext cx="4021223" cy="2153648"/>
+          </a:xfrm>
+        </p:spPr>
+        <p:txBody>
+          <a:bodyPr>
+            <a:normAutofit fontScale="70000" lnSpcReduction="20000"/>
+          </a:bodyPr>
+          <a:lstStyle/>
+          <a:p>
+            <a:pPr marL="0" indent="0">
+              <a:buNone/>
+            </a:pPr>
+            <a:r>
+              <a:rPr lang="ru-RU" dirty="0" err="1"/>
+              <a:t>Sass</a:t>
+            </a:r>
+            <a:r>
+              <a:rPr lang="ru-RU" dirty="0"/>
+              <a:t> поддерживает несколько типов переменных:</a:t>
+            </a:r>
+          </a:p>
+          <a:p>
+            <a:pPr>
+              <a:lnSpc>
+                <a:spcPct val="110000"/>
+              </a:lnSpc>
+              <a:buFont typeface="Arial" panose="020B0604020202020204" pitchFamily="34" charset="0"/>
+              <a:buChar char="•"/>
+            </a:pPr>
+            <a:r>
+              <a:rPr lang="ru-RU" dirty="0"/>
+              <a:t>строки;</a:t>
+            </a:r>
+          </a:p>
+          <a:p>
+            <a:pPr>
+              <a:lnSpc>
+                <a:spcPct val="110000"/>
+              </a:lnSpc>
+              <a:buFont typeface="Arial" panose="020B0604020202020204" pitchFamily="34" charset="0"/>
+              <a:buChar char="•"/>
+            </a:pPr>
+            <a:r>
+              <a:rPr lang="ru-RU" dirty="0"/>
+              <a:t>списки;</a:t>
+            </a:r>
+          </a:p>
+          <a:p>
+            <a:pPr>
+              <a:lnSpc>
+                <a:spcPct val="110000"/>
+              </a:lnSpc>
+              <a:buFont typeface="Arial" panose="020B0604020202020204" pitchFamily="34" charset="0"/>
+              <a:buChar char="•"/>
+            </a:pPr>
+            <a:r>
+              <a:rPr lang="ru-RU" dirty="0"/>
+              <a:t>числовые значения;</a:t>
+            </a:r>
+          </a:p>
+          <a:p>
+            <a:pPr>
+              <a:lnSpc>
+                <a:spcPct val="110000"/>
+              </a:lnSpc>
+              <a:buFont typeface="Arial" panose="020B0604020202020204" pitchFamily="34" charset="0"/>
+              <a:buChar char="•"/>
+            </a:pPr>
+            <a:r>
+              <a:rPr lang="ru-RU" dirty="0"/>
+              <a:t>пустые значения </a:t>
+            </a:r>
+            <a:r>
+              <a:rPr lang="ru-RU" dirty="0" err="1"/>
+              <a:t>null</a:t>
+            </a:r>
+            <a:r>
+              <a:rPr lang="ru-RU" dirty="0"/>
+              <a:t>;</a:t>
+            </a:r>
+          </a:p>
+          <a:p>
+            <a:pPr>
+              <a:lnSpc>
+                <a:spcPct val="110000"/>
+              </a:lnSpc>
+              <a:buFont typeface="Arial" panose="020B0604020202020204" pitchFamily="34" charset="0"/>
+              <a:buChar char="•"/>
+            </a:pPr>
+            <a:r>
+              <a:rPr lang="ru-RU" dirty="0"/>
+              <a:t>цвета;</a:t>
+            </a:r>
+          </a:p>
+          <a:p>
+            <a:pPr>
+              <a:lnSpc>
+                <a:spcPct val="110000"/>
+              </a:lnSpc>
+              <a:buFont typeface="Arial" panose="020B0604020202020204" pitchFamily="34" charset="0"/>
+              <a:buChar char="•"/>
+            </a:pPr>
+            <a:r>
+              <a:rPr lang="ru-RU" dirty="0"/>
+              <a:t>логические (булевы) значения.</a:t>
+            </a:r>
+          </a:p>
+        </p:txBody>
+      </p:sp>
+      <p:pic>
+        <p:nvPicPr>
+          <p:cNvPr id="14" name="Picture 13">
+            <a:extLst>
+              <a:ext uri="{FF2B5EF4-FFF2-40B4-BE49-F238E27FC236}">
+                <a16:creationId xmlns:a16="http://schemas.microsoft.com/office/drawing/2014/main" id="{5E28AF54-2589-4FA7-8E49-7832EE870183}"/>
+              </a:ext>
+            </a:extLst>
+          </p:cNvPr>
+          <p:cNvPicPr>
+            <a:picLocks noChangeAspect="1"/>
+          </p:cNvPicPr>
+          <p:nvPr/>
         </p:nvPicPr>
         <p:blipFill>
           <a:blip r:embed="rId2"/>
@@ -4232,17 +4352,50 @@
         </p:blipFill>
         <p:spPr>
           <a:xfrm>
-            <a:off x="842830" y="2484733"/>
-            <a:ext cx="10532623" cy="3096669"/>
-          </a:xfrm>
+            <a:off x="4459244" y="919890"/>
+            <a:ext cx="7125135" cy="2672759"/>
+          </a:xfrm>
+          <a:prstGeom prst="rect">
+            <a:avLst/>
+          </a:prstGeom>
         </p:spPr>
       </p:pic>
-      <p:sp>
-        <p:nvSpPr>
-          <p:cNvPr id="11" name="TextBox 10">
-            <a:extLst>
-              <a:ext uri="{FF2B5EF4-FFF2-40B4-BE49-F238E27FC236}">
-                <a16:creationId xmlns:a16="http://schemas.microsoft.com/office/drawing/2014/main" id="{1109BCC1-4E74-4F50-8B44-344F55CF1278}"/>
+      <p:pic>
+        <p:nvPicPr>
+          <p:cNvPr id="16" name="Picture 15">
+            <a:extLst>
+              <a:ext uri="{FF2B5EF4-FFF2-40B4-BE49-F238E27FC236}">
+                <a16:creationId xmlns:a16="http://schemas.microsoft.com/office/drawing/2014/main" id="{24E73BE6-7CBB-4223-9736-46C44B8E4AB4}"/>
+              </a:ext>
+            </a:extLst>
+          </p:cNvPr>
+          <p:cNvPicPr>
+            <a:picLocks noChangeAspect="1"/>
+          </p:cNvPicPr>
+          <p:nvPr/>
+        </p:nvPicPr>
+        <p:blipFill>
+          <a:blip r:embed="rId3"/>
+          <a:stretch>
+            <a:fillRect/>
+          </a:stretch>
+        </p:blipFill>
+        <p:spPr>
+          <a:xfrm>
+            <a:off x="164829" y="3862764"/>
+            <a:ext cx="8114528" cy="2574004"/>
+          </a:xfrm>
+          <a:prstGeom prst="rect">
+            <a:avLst/>
+          </a:prstGeom>
+        </p:spPr>
+      </p:pic>
+      <p:sp>
+        <p:nvSpPr>
+          <p:cNvPr id="18" name="TextBox 17">
+            <a:extLst>
+              <a:ext uri="{FF2B5EF4-FFF2-40B4-BE49-F238E27FC236}">
+                <a16:creationId xmlns:a16="http://schemas.microsoft.com/office/drawing/2014/main" id="{14DCB1E1-9C06-48F2-8A21-9C9ED6CE24D1}"/>
               </a:ext>
             </a:extLst>
           </p:cNvPr>
@@ -4251,8 +4404,8 @@
         </p:nvSpPr>
         <p:spPr>
           <a:xfrm>
-            <a:off x="842830" y="883215"/>
-            <a:ext cx="10532622" cy="646331"/>
+            <a:off x="1905990" y="3562597"/>
+            <a:ext cx="1055097" cy="369332"/>
           </a:xfrm>
           <a:prstGeom prst="rect">
             <a:avLst/>
@@ -4260,14 +4413,58 @@
           <a:noFill/>
         </p:spPr>
         <p:txBody>
-          <a:bodyPr wrap="square">
+          <a:bodyPr wrap="none" rtlCol="0">
             <a:spAutoFit/>
           </a:bodyPr>
           <a:lstStyle/>
           <a:p>
             <a:r>
-              <a:rPr lang="ru-RU" dirty="0"/>
-              <a:t>Область видимости переменных SCSS ограничивается вложенными элементами — это позволяет предотвратить влияние стилей друг на друга. </a:t>
+              <a:rPr lang="en-US" dirty="0" err="1"/>
+              <a:t>css</a:t>
+            </a:r>
+            <a:r>
+              <a:rPr lang="ru-RU" dirty="0"/>
+              <a:t>-файл</a:t>
+            </a:r>
+            <a:endParaRPr lang="en-US" dirty="0"/>
+          </a:p>
+        </p:txBody>
+      </p:sp>
+      <p:sp>
+        <p:nvSpPr>
+          <p:cNvPr id="20" name="TextBox 19">
+            <a:extLst>
+              <a:ext uri="{FF2B5EF4-FFF2-40B4-BE49-F238E27FC236}">
+                <a16:creationId xmlns:a16="http://schemas.microsoft.com/office/drawing/2014/main" id="{D46680BF-FCEB-4816-A5DF-C92945179EE2}"/>
+              </a:ext>
+            </a:extLst>
+          </p:cNvPr>
+          <p:cNvSpPr txBox="1"/>
+          <p:nvPr/>
+        </p:nvSpPr>
+        <p:spPr>
+          <a:xfrm>
+            <a:off x="7297388" y="614265"/>
+            <a:ext cx="1143262" cy="369332"/>
+          </a:xfrm>
+          <a:prstGeom prst="rect">
+            <a:avLst/>
+          </a:prstGeom>
+          <a:noFill/>
+        </p:spPr>
+        <p:txBody>
+          <a:bodyPr wrap="none" rtlCol="0">
+            <a:spAutoFit/>
+          </a:bodyPr>
+          <a:lstStyle/>
+          <a:p>
+            <a:r>
+              <a:rPr lang="en-US" dirty="0" err="1"/>
+              <a:t>scss</a:t>
+            </a:r>
+            <a:r>
+              <a:rPr lang="ru-RU" dirty="0"/>
+              <a:t>-файл</a:t>
             </a:r>
             <a:endParaRPr lang="en-US" dirty="0"/>
           </a:p>
@@ -4276,7 +4473,7 @@
     </p:spTree>
     <p:extLst>
       <p:ext uri="{BB962C8B-B14F-4D97-AF65-F5344CB8AC3E}">
-        <p14:creationId xmlns:p14="http://schemas.microsoft.com/office/powerpoint/2010/main" val="532459620"/>
+        <p14:creationId xmlns:p14="http://schemas.microsoft.com/office/powerpoint/2010/main" val="3779910493"/>
       </p:ext>
     </p:extLst>
   </p:cSld>
@@ -4333,15 +4530,7 @@
           <a:p>
             <a:r>
               <a:rPr lang="ru-RU" dirty="0"/>
-              <a:t>Отличие </a:t>
-            </a:r>
-            <a:r>
-              <a:rPr lang="en-US" dirty="0"/>
-              <a:t>CSS </a:t>
-            </a:r>
-            <a:r>
-              <a:rPr lang="ru-RU" dirty="0"/>
-              <a:t>переменных от </a:t>
+              <a:t>Переменные в </a:t>
             </a:r>
             <a:r>
               <a:rPr lang="en-US" dirty="0"/>
@@ -4350,121 +4539,21 @@
           </a:p>
         </p:txBody>
       </p:sp>
-      <p:sp>
-        <p:nvSpPr>
-          <p:cNvPr id="8" name="TextBox 7">
-            <a:extLst>
-              <a:ext uri="{FF2B5EF4-FFF2-40B4-BE49-F238E27FC236}">
-                <a16:creationId xmlns:a16="http://schemas.microsoft.com/office/drawing/2014/main" id="{97131790-7C04-49AB-9FD8-E199AD79FDC5}"/>
-              </a:ext>
-            </a:extLst>
-          </p:cNvPr>
-          <p:cNvSpPr txBox="1"/>
-          <p:nvPr/>
-        </p:nvSpPr>
-        <p:spPr>
-          <a:xfrm>
-            <a:off x="145037" y="760458"/>
-            <a:ext cx="11811436" cy="1754326"/>
-          </a:xfrm>
-          <a:prstGeom prst="rect">
-            <a:avLst/>
-          </a:prstGeom>
-          <a:noFill/>
-        </p:spPr>
-        <p:txBody>
-          <a:bodyPr wrap="square">
-            <a:spAutoFit/>
-          </a:bodyPr>
-          <a:lstStyle/>
-          <a:p>
-            <a:r>
-              <a:rPr lang="ru-RU" dirty="0"/>
-              <a:t>В отличие от переменных SASS, </a:t>
-            </a:r>
-            <a:r>
-              <a:rPr lang="en-US" dirty="0"/>
-              <a:t>CSS</a:t>
-            </a:r>
-            <a:r>
-              <a:rPr lang="ru-RU" dirty="0"/>
-              <a:t> свойства</a:t>
-            </a:r>
-            <a:r>
-              <a:rPr lang="en-US" dirty="0"/>
-              <a:t>:</a:t>
-            </a:r>
-          </a:p>
-          <a:p>
-            <a:pPr marL="285750" indent="-285750">
-              <a:buFont typeface="Arial" panose="020B0604020202020204" pitchFamily="34" charset="0"/>
-              <a:buChar char="•"/>
-            </a:pPr>
-            <a:r>
-              <a:rPr lang="ru-RU" dirty="0"/>
-              <a:t>ограничены элементом на котором они объявлены</a:t>
-            </a:r>
-          </a:p>
-          <a:p>
-            <a:pPr marL="285750" indent="-285750">
-              <a:buFont typeface="Arial" panose="020B0604020202020204" pitchFamily="34" charset="0"/>
-              <a:buChar char="•"/>
-            </a:pPr>
-            <a:r>
-              <a:rPr lang="ru-RU" dirty="0"/>
-              <a:t>ограничены каскадом</a:t>
-            </a:r>
-          </a:p>
-          <a:p>
-            <a:pPr marL="285750" indent="-285750">
-              <a:buFont typeface="Arial" panose="020B0604020202020204" pitchFamily="34" charset="0"/>
-              <a:buChar char="•"/>
-            </a:pPr>
-            <a:r>
-              <a:rPr lang="ru-RU" dirty="0"/>
-              <a:t>ими можно управлять в JavaScript.</a:t>
-            </a:r>
-          </a:p>
-          <a:p>
-            <a:pPr marL="285750" indent="-285750">
-              <a:buFont typeface="Arial" panose="020B0604020202020204" pitchFamily="34" charset="0"/>
-              <a:buChar char="•"/>
-            </a:pPr>
-            <a:r>
-              <a:rPr lang="ru-RU" dirty="0" err="1"/>
-              <a:t>scss</a:t>
-            </a:r>
-            <a:r>
-              <a:rPr lang="ru-RU" dirty="0"/>
-              <a:t> переменные нельзя перезаписывать</a:t>
-            </a:r>
-            <a:r>
-              <a:rPr lang="en-US" dirty="0"/>
-              <a:t>. </a:t>
-            </a:r>
-            <a:r>
-              <a:rPr lang="ru-RU" dirty="0"/>
-              <a:t>То есть, данный код работать не будет.</a:t>
-            </a:r>
-          </a:p>
-          <a:p>
-            <a:endParaRPr lang="en-US" dirty="0"/>
-          </a:p>
-        </p:txBody>
-      </p:sp>
       <p:pic>
         <p:nvPicPr>
-          <p:cNvPr id="12" name="Picture 11">
-            <a:extLst>
-              <a:ext uri="{FF2B5EF4-FFF2-40B4-BE49-F238E27FC236}">
-                <a16:creationId xmlns:a16="http://schemas.microsoft.com/office/drawing/2014/main" id="{963720BC-A923-489F-A3FC-398740D27AC1}"/>
+          <p:cNvPr id="6" name="Content Placeholder 5">
+            <a:extLst>
+              <a:ext uri="{FF2B5EF4-FFF2-40B4-BE49-F238E27FC236}">
+                <a16:creationId xmlns:a16="http://schemas.microsoft.com/office/drawing/2014/main" id="{3BC68C66-87F5-474E-A0F8-6627F4C08F1D}"/>
               </a:ext>
             </a:extLst>
           </p:cNvPr>
           <p:cNvPicPr>
-            <a:picLocks noChangeAspect="1"/>
+            <a:picLocks noGrp="1" noChangeAspect="1"/>
           </p:cNvPicPr>
-          <p:nvPr/>
+          <p:nvPr>
+            <p:ph idx="1"/>
+          </p:nvPr>
         </p:nvPicPr>
         <p:blipFill>
           <a:blip r:embed="rId2"/>
@@ -4474,50 +4563,17 @@
         </p:blipFill>
         <p:spPr>
           <a:xfrm>
-            <a:off x="7822529" y="2293298"/>
-            <a:ext cx="3787180" cy="2002417"/>
-          </a:xfrm>
-          <a:prstGeom prst="rect">
-            <a:avLst/>
-          </a:prstGeom>
+            <a:off x="842830" y="2484733"/>
+            <a:ext cx="10532623" cy="3096669"/>
+          </a:xfrm>
         </p:spPr>
       </p:pic>
-      <p:pic>
-        <p:nvPicPr>
-          <p:cNvPr id="14" name="Picture 13">
-            <a:extLst>
-              <a:ext uri="{FF2B5EF4-FFF2-40B4-BE49-F238E27FC236}">
-                <a16:creationId xmlns:a16="http://schemas.microsoft.com/office/drawing/2014/main" id="{C9585067-D818-43C2-9D96-05FBFE841935}"/>
-              </a:ext>
-            </a:extLst>
-          </p:cNvPr>
-          <p:cNvPicPr>
-            <a:picLocks noChangeAspect="1"/>
-          </p:cNvPicPr>
-          <p:nvPr/>
-        </p:nvPicPr>
-        <p:blipFill>
-          <a:blip r:embed="rId3"/>
-          <a:stretch>
-            <a:fillRect/>
-          </a:stretch>
-        </p:blipFill>
-        <p:spPr>
-          <a:xfrm>
-            <a:off x="721611" y="3715552"/>
-            <a:ext cx="4036149" cy="2863012"/>
-          </a:xfrm>
-          <a:prstGeom prst="rect">
-            <a:avLst/>
-          </a:prstGeom>
-        </p:spPr>
-      </p:pic>
-      <p:sp>
-        <p:nvSpPr>
-          <p:cNvPr id="15" name="TextBox 14">
-            <a:extLst>
-              <a:ext uri="{FF2B5EF4-FFF2-40B4-BE49-F238E27FC236}">
-                <a16:creationId xmlns:a16="http://schemas.microsoft.com/office/drawing/2014/main" id="{2AB4EBC7-EB0F-4BEE-90A1-0BBECD13F6CD}"/>
+      <p:sp>
+        <p:nvSpPr>
+          <p:cNvPr id="11" name="TextBox 10">
+            <a:extLst>
+              <a:ext uri="{FF2B5EF4-FFF2-40B4-BE49-F238E27FC236}">
+                <a16:creationId xmlns:a16="http://schemas.microsoft.com/office/drawing/2014/main" id="{1109BCC1-4E74-4F50-8B44-344F55CF1278}"/>
               </a:ext>
             </a:extLst>
           </p:cNvPr>
@@ -4526,8 +4582,8 @@
         </p:nvSpPr>
         <p:spPr>
           <a:xfrm>
-            <a:off x="4757760" y="5058888"/>
-            <a:ext cx="1557158" cy="369332"/>
+            <a:off x="842830" y="883215"/>
+            <a:ext cx="10532622" cy="646331"/>
           </a:xfrm>
           <a:prstGeom prst="rect">
             <a:avLst/>
@@ -4535,14 +4591,14 @@
           <a:noFill/>
         </p:spPr>
         <p:txBody>
-          <a:bodyPr wrap="none" rtlCol="0">
+          <a:bodyPr wrap="square">
             <a:spAutoFit/>
           </a:bodyPr>
           <a:lstStyle/>
           <a:p>
             <a:r>
               <a:rPr lang="ru-RU" dirty="0"/>
-              <a:t>А такой будет</a:t>
+              <a:t>Область видимости переменных SCSS ограничивается вложенными элементами — это позволяет предотвратить влияние стилей друг на друга. </a:t>
             </a:r>
             <a:endParaRPr lang="en-US" dirty="0"/>
           </a:p>
@@ -4551,7 +4607,7 @@
     </p:spTree>
     <p:extLst>
       <p:ext uri="{BB962C8B-B14F-4D97-AF65-F5344CB8AC3E}">
-        <p14:creationId xmlns:p14="http://schemas.microsoft.com/office/powerpoint/2010/main" val="1233893266"/>
+        <p14:creationId xmlns:p14="http://schemas.microsoft.com/office/powerpoint/2010/main" val="532459620"/>
       </p:ext>
     </p:extLst>
   </p:cSld>
@@ -4608,6 +4664,281 @@
           <a:p>
             <a:r>
               <a:rPr lang="ru-RU" dirty="0"/>
+              <a:t>Отличие </a:t>
+            </a:r>
+            <a:r>
+              <a:rPr lang="en-US" dirty="0"/>
+              <a:t>CSS </a:t>
+            </a:r>
+            <a:r>
+              <a:rPr lang="ru-RU" dirty="0"/>
+              <a:t>переменных от </a:t>
+            </a:r>
+            <a:r>
+              <a:rPr lang="en-US" dirty="0"/>
+              <a:t>SCSS</a:t>
+            </a:r>
+          </a:p>
+        </p:txBody>
+      </p:sp>
+      <p:sp>
+        <p:nvSpPr>
+          <p:cNvPr id="8" name="TextBox 7">
+            <a:extLst>
+              <a:ext uri="{FF2B5EF4-FFF2-40B4-BE49-F238E27FC236}">
+                <a16:creationId xmlns:a16="http://schemas.microsoft.com/office/drawing/2014/main" id="{97131790-7C04-49AB-9FD8-E199AD79FDC5}"/>
+              </a:ext>
+            </a:extLst>
+          </p:cNvPr>
+          <p:cNvSpPr txBox="1"/>
+          <p:nvPr/>
+        </p:nvSpPr>
+        <p:spPr>
+          <a:xfrm>
+            <a:off x="145037" y="760458"/>
+            <a:ext cx="11811436" cy="1754326"/>
+          </a:xfrm>
+          <a:prstGeom prst="rect">
+            <a:avLst/>
+          </a:prstGeom>
+          <a:noFill/>
+        </p:spPr>
+        <p:txBody>
+          <a:bodyPr wrap="square">
+            <a:spAutoFit/>
+          </a:bodyPr>
+          <a:lstStyle/>
+          <a:p>
+            <a:r>
+              <a:rPr lang="ru-RU" dirty="0"/>
+              <a:t>В отличие от переменных SASS, </a:t>
+            </a:r>
+            <a:r>
+              <a:rPr lang="en-US" dirty="0"/>
+              <a:t>CSS</a:t>
+            </a:r>
+            <a:r>
+              <a:rPr lang="ru-RU" dirty="0"/>
+              <a:t> свойства</a:t>
+            </a:r>
+            <a:r>
+              <a:rPr lang="en-US" dirty="0"/>
+              <a:t>:</a:t>
+            </a:r>
+          </a:p>
+          <a:p>
+            <a:pPr marL="285750" indent="-285750">
+              <a:buFont typeface="Arial" panose="020B0604020202020204" pitchFamily="34" charset="0"/>
+              <a:buChar char="•"/>
+            </a:pPr>
+            <a:r>
+              <a:rPr lang="ru-RU" dirty="0"/>
+              <a:t>ограничены элементом на котором они объявлены</a:t>
+            </a:r>
+          </a:p>
+          <a:p>
+            <a:pPr marL="285750" indent="-285750">
+              <a:buFont typeface="Arial" panose="020B0604020202020204" pitchFamily="34" charset="0"/>
+              <a:buChar char="•"/>
+            </a:pPr>
+            <a:r>
+              <a:rPr lang="ru-RU" dirty="0"/>
+              <a:t>ограничены каскадом</a:t>
+            </a:r>
+          </a:p>
+          <a:p>
+            <a:pPr marL="285750" indent="-285750">
+              <a:buFont typeface="Arial" panose="020B0604020202020204" pitchFamily="34" charset="0"/>
+              <a:buChar char="•"/>
+            </a:pPr>
+            <a:r>
+              <a:rPr lang="ru-RU" dirty="0"/>
+              <a:t>ими можно управлять в JavaScript.</a:t>
+            </a:r>
+          </a:p>
+          <a:p>
+            <a:pPr marL="285750" indent="-285750">
+              <a:buFont typeface="Arial" panose="020B0604020202020204" pitchFamily="34" charset="0"/>
+              <a:buChar char="•"/>
+            </a:pPr>
+            <a:r>
+              <a:rPr lang="ru-RU" dirty="0" err="1"/>
+              <a:t>scss</a:t>
+            </a:r>
+            <a:r>
+              <a:rPr lang="ru-RU" dirty="0"/>
+              <a:t> переменные нельзя перезаписывать</a:t>
+            </a:r>
+            <a:r>
+              <a:rPr lang="en-US" dirty="0"/>
+              <a:t>. </a:t>
+            </a:r>
+            <a:r>
+              <a:rPr lang="ru-RU" dirty="0"/>
+              <a:t>То есть, данный код работать не будет.</a:t>
+            </a:r>
+          </a:p>
+          <a:p>
+            <a:endParaRPr lang="en-US" dirty="0"/>
+          </a:p>
+        </p:txBody>
+      </p:sp>
+      <p:pic>
+        <p:nvPicPr>
+          <p:cNvPr id="12" name="Picture 11">
+            <a:extLst>
+              <a:ext uri="{FF2B5EF4-FFF2-40B4-BE49-F238E27FC236}">
+                <a16:creationId xmlns:a16="http://schemas.microsoft.com/office/drawing/2014/main" id="{963720BC-A923-489F-A3FC-398740D27AC1}"/>
+              </a:ext>
+            </a:extLst>
+          </p:cNvPr>
+          <p:cNvPicPr>
+            <a:picLocks noChangeAspect="1"/>
+          </p:cNvPicPr>
+          <p:nvPr/>
+        </p:nvPicPr>
+        <p:blipFill>
+          <a:blip r:embed="rId2"/>
+          <a:stretch>
+            <a:fillRect/>
+          </a:stretch>
+        </p:blipFill>
+        <p:spPr>
+          <a:xfrm>
+            <a:off x="7822529" y="2293298"/>
+            <a:ext cx="3787180" cy="2002417"/>
+          </a:xfrm>
+          <a:prstGeom prst="rect">
+            <a:avLst/>
+          </a:prstGeom>
+        </p:spPr>
+      </p:pic>
+      <p:pic>
+        <p:nvPicPr>
+          <p:cNvPr id="14" name="Picture 13">
+            <a:extLst>
+              <a:ext uri="{FF2B5EF4-FFF2-40B4-BE49-F238E27FC236}">
+                <a16:creationId xmlns:a16="http://schemas.microsoft.com/office/drawing/2014/main" id="{C9585067-D818-43C2-9D96-05FBFE841935}"/>
+              </a:ext>
+            </a:extLst>
+          </p:cNvPr>
+          <p:cNvPicPr>
+            <a:picLocks noChangeAspect="1"/>
+          </p:cNvPicPr>
+          <p:nvPr/>
+        </p:nvPicPr>
+        <p:blipFill>
+          <a:blip r:embed="rId3"/>
+          <a:stretch>
+            <a:fillRect/>
+          </a:stretch>
+        </p:blipFill>
+        <p:spPr>
+          <a:xfrm>
+            <a:off x="721611" y="3715552"/>
+            <a:ext cx="4036149" cy="2863012"/>
+          </a:xfrm>
+          <a:prstGeom prst="rect">
+            <a:avLst/>
+          </a:prstGeom>
+        </p:spPr>
+      </p:pic>
+      <p:sp>
+        <p:nvSpPr>
+          <p:cNvPr id="15" name="TextBox 14">
+            <a:extLst>
+              <a:ext uri="{FF2B5EF4-FFF2-40B4-BE49-F238E27FC236}">
+                <a16:creationId xmlns:a16="http://schemas.microsoft.com/office/drawing/2014/main" id="{2AB4EBC7-EB0F-4BEE-90A1-0BBECD13F6CD}"/>
+              </a:ext>
+            </a:extLst>
+          </p:cNvPr>
+          <p:cNvSpPr txBox="1"/>
+          <p:nvPr/>
+        </p:nvSpPr>
+        <p:spPr>
+          <a:xfrm>
+            <a:off x="4757760" y="5058888"/>
+            <a:ext cx="1557158" cy="369332"/>
+          </a:xfrm>
+          <a:prstGeom prst="rect">
+            <a:avLst/>
+          </a:prstGeom>
+          <a:noFill/>
+        </p:spPr>
+        <p:txBody>
+          <a:bodyPr wrap="none" rtlCol="0">
+            <a:spAutoFit/>
+          </a:bodyPr>
+          <a:lstStyle/>
+          <a:p>
+            <a:r>
+              <a:rPr lang="ru-RU" dirty="0"/>
+              <a:t>А такой будет</a:t>
+            </a:r>
+            <a:endParaRPr lang="en-US" dirty="0"/>
+          </a:p>
+        </p:txBody>
+      </p:sp>
+    </p:spTree>
+    <p:extLst>
+      <p:ext uri="{BB962C8B-B14F-4D97-AF65-F5344CB8AC3E}">
+        <p14:creationId xmlns:p14="http://schemas.microsoft.com/office/powerpoint/2010/main" val="1233893266"/>
+      </p:ext>
+    </p:extLst>
+  </p:cSld>
+  <p:clrMapOvr>
+    <a:masterClrMapping/>
+  </p:clrMapOvr>
+</p:sld>
+</file>
+
+<file path=ppt/slides/slide15.xml><?xml version="1.0" encoding="utf-8"?>
+<p:sld xmlns:a="http://schemas.openxmlformats.org/drawingml/2006/main" xmlns:r="http://schemas.openxmlformats.org/officeDocument/2006/relationships" xmlns:p="http://schemas.openxmlformats.org/presentationml/2006/main">
+  <p:cSld>
+    <p:spTree>
+      <p:nvGrpSpPr>
+        <p:cNvPr id="1" name=""/>
+        <p:cNvGrpSpPr/>
+        <p:nvPr/>
+      </p:nvGrpSpPr>
+      <p:grpSpPr>
+        <a:xfrm>
+          <a:off x="0" y="0"/>
+          <a:ext cx="0" cy="0"/>
+          <a:chOff x="0" y="0"/>
+          <a:chExt cx="0" cy="0"/>
+        </a:xfrm>
+      </p:grpSpPr>
+      <p:sp>
+        <p:nvSpPr>
+          <p:cNvPr id="2" name="Title 1">
+            <a:extLst>
+              <a:ext uri="{FF2B5EF4-FFF2-40B4-BE49-F238E27FC236}">
+                <a16:creationId xmlns:a16="http://schemas.microsoft.com/office/drawing/2014/main" id="{4369FB8F-EA69-4AD4-85A0-57A4CF8DE282}"/>
+              </a:ext>
+            </a:extLst>
+          </p:cNvPr>
+          <p:cNvSpPr>
+            <a:spLocks noGrp="1"/>
+          </p:cNvSpPr>
+          <p:nvPr>
+            <p:ph type="title"/>
+          </p:nvPr>
+        </p:nvSpPr>
+        <p:spPr>
+          <a:xfrm>
+            <a:off x="164829" y="97793"/>
+            <a:ext cx="11888626" cy="400971"/>
+          </a:xfrm>
+        </p:spPr>
+        <p:txBody>
+          <a:bodyPr>
+            <a:normAutofit fontScale="90000"/>
+          </a:bodyPr>
+          <a:lstStyle/>
+          <a:p>
+            <a:r>
+              <a:rPr lang="ru-RU" dirty="0"/>
               <a:t>Модули и </a:t>
             </a:r>
             <a:r>
@@ -4783,7 +5114,7 @@
 </p:sld>
 </file>
 
-<file path=ppt/slides/slide15.xml><?xml version="1.0" encoding="utf-8"?>
+<file path=ppt/slides/slide16.xml><?xml version="1.0" encoding="utf-8"?>
 <p:sld xmlns:a="http://schemas.openxmlformats.org/drawingml/2006/main" xmlns:r="http://schemas.openxmlformats.org/officeDocument/2006/relationships" xmlns:p="http://schemas.openxmlformats.org/presentationml/2006/main">
   <p:cSld>
     <p:spTree>
@@ -4917,7 +5248,7 @@
 </p:sld>
 </file>
 
-<file path=ppt/slides/slide16.xml><?xml version="1.0" encoding="utf-8"?>
+<file path=ppt/slides/slide17.xml><?xml version="1.0" encoding="utf-8"?>
 <p:sld xmlns:a="http://schemas.openxmlformats.org/drawingml/2006/main" xmlns:r="http://schemas.openxmlformats.org/officeDocument/2006/relationships" xmlns:p="http://schemas.openxmlformats.org/presentationml/2006/main">
   <p:cSld>
     <p:spTree>
@@ -5126,7 +5457,7 @@
 </p:sld>
 </file>
 
-<file path=ppt/slides/slide17.xml><?xml version="1.0" encoding="utf-8"?>
+<file path=ppt/slides/slide18.xml><?xml version="1.0" encoding="utf-8"?>
 <p:sld xmlns:a="http://schemas.openxmlformats.org/drawingml/2006/main" xmlns:r="http://schemas.openxmlformats.org/officeDocument/2006/relationships" xmlns:p="http://schemas.openxmlformats.org/presentationml/2006/main">
   <p:cSld>
     <p:spTree>
@@ -5321,292 +5652,6 @@
 </p:sld>
 </file>
 
-<file path=ppt/slides/slide18.xml><?xml version="1.0" encoding="utf-8"?>
-<p:sld xmlns:a="http://schemas.openxmlformats.org/drawingml/2006/main" xmlns:r="http://schemas.openxmlformats.org/officeDocument/2006/relationships" xmlns:p="http://schemas.openxmlformats.org/presentationml/2006/main">
-  <p:cSld>
-    <p:spTree>
-      <p:nvGrpSpPr>
-        <p:cNvPr id="1" name=""/>
-        <p:cNvGrpSpPr/>
-        <p:nvPr/>
-      </p:nvGrpSpPr>
-      <p:grpSpPr>
-        <a:xfrm>
-          <a:off x="0" y="0"/>
-          <a:ext cx="0" cy="0"/>
-          <a:chOff x="0" y="0"/>
-          <a:chExt cx="0" cy="0"/>
-        </a:xfrm>
-      </p:grpSpPr>
-      <p:sp>
-        <p:nvSpPr>
-          <p:cNvPr id="2" name="Title 1">
-            <a:extLst>
-              <a:ext uri="{FF2B5EF4-FFF2-40B4-BE49-F238E27FC236}">
-                <a16:creationId xmlns:a16="http://schemas.microsoft.com/office/drawing/2014/main" id="{4369FB8F-EA69-4AD4-85A0-57A4CF8DE282}"/>
-              </a:ext>
-            </a:extLst>
-          </p:cNvPr>
-          <p:cNvSpPr>
-            <a:spLocks noGrp="1"/>
-          </p:cNvSpPr>
-          <p:nvPr>
-            <p:ph type="title"/>
-          </p:nvPr>
-        </p:nvSpPr>
-        <p:spPr>
-          <a:xfrm>
-            <a:off x="164829" y="97793"/>
-            <a:ext cx="11888626" cy="400971"/>
-          </a:xfrm>
-        </p:spPr>
-        <p:txBody>
-          <a:bodyPr>
-            <a:normAutofit fontScale="90000"/>
-          </a:bodyPr>
-          <a:lstStyle/>
-          <a:p>
-            <a:r>
-              <a:rPr lang="en-US" dirty="0"/>
-              <a:t>Bootstrap</a:t>
-            </a:r>
-          </a:p>
-        </p:txBody>
-      </p:sp>
-      <p:sp>
-        <p:nvSpPr>
-          <p:cNvPr id="7" name="TextBox 6">
-            <a:extLst>
-              <a:ext uri="{FF2B5EF4-FFF2-40B4-BE49-F238E27FC236}">
-                <a16:creationId xmlns:a16="http://schemas.microsoft.com/office/drawing/2014/main" id="{2CB118AA-C0B0-4824-90E2-859F4C41FC6E}"/>
-              </a:ext>
-            </a:extLst>
-          </p:cNvPr>
-          <p:cNvSpPr txBox="1"/>
-          <p:nvPr/>
-        </p:nvSpPr>
-        <p:spPr>
-          <a:xfrm>
-            <a:off x="1462149" y="666630"/>
-            <a:ext cx="10591305" cy="1200329"/>
-          </a:xfrm>
-          <a:prstGeom prst="rect">
-            <a:avLst/>
-          </a:prstGeom>
-          <a:noFill/>
-        </p:spPr>
-        <p:txBody>
-          <a:bodyPr wrap="square">
-            <a:spAutoFit/>
-          </a:bodyPr>
-          <a:lstStyle/>
-          <a:p>
-            <a:r>
-              <a:rPr lang="ru-RU" dirty="0" err="1"/>
-              <a:t>Bootstrap</a:t>
-            </a:r>
-            <a:r>
-              <a:rPr lang="ru-RU" dirty="0"/>
-              <a:t> — это открытый и бесплатный </a:t>
-            </a:r>
-            <a:r>
-              <a:rPr lang="ru-RU" dirty="0">
-                <a:effectLst/>
-              </a:rPr>
-              <a:t>HTML-</a:t>
-            </a:r>
-            <a:r>
-              <a:rPr lang="ru-RU" dirty="0"/>
-              <a:t>, </a:t>
-            </a:r>
-            <a:r>
-              <a:rPr lang="ru-RU" dirty="0">
-                <a:effectLst/>
-              </a:rPr>
-              <a:t>CSS-</a:t>
-            </a:r>
-            <a:r>
-              <a:rPr lang="ru-RU" dirty="0"/>
-              <a:t> и </a:t>
-            </a:r>
-            <a:r>
-              <a:rPr lang="ru-RU" dirty="0">
-                <a:effectLst/>
-              </a:rPr>
-              <a:t>JS-фреймворк</a:t>
-            </a:r>
-            <a:r>
-              <a:rPr lang="ru-RU" dirty="0"/>
-              <a:t>, который используют веб-разработчики для быстрой верстки адаптивных дизайнов сайтов и веб-приложений. Включает в себя CSS- и HTML-шаблоны оформления для веб-форм, меток, типографики, кнопок, блоков навигации и других компонентов веб-интерфейса.</a:t>
-            </a:r>
-            <a:endParaRPr lang="en-US" dirty="0"/>
-          </a:p>
-        </p:txBody>
-      </p:sp>
-      <p:pic>
-        <p:nvPicPr>
-          <p:cNvPr id="3074" name="Picture 2" descr="upload.wikimedia.org/wikipedia/commons/thumb/b/...">
-            <a:extLst>
-              <a:ext uri="{FF2B5EF4-FFF2-40B4-BE49-F238E27FC236}">
-                <a16:creationId xmlns:a16="http://schemas.microsoft.com/office/drawing/2014/main" id="{CDCBC811-9873-4A9F-AD6A-1D97E551A083}"/>
-              </a:ext>
-            </a:extLst>
-          </p:cNvPr>
-          <p:cNvPicPr>
-            <a:picLocks noChangeAspect="1" noChangeArrowheads="1"/>
-          </p:cNvPicPr>
-          <p:nvPr/>
-        </p:nvPicPr>
-        <p:blipFill>
-          <a:blip r:embed="rId2">
-            <a:extLst>
-              <a:ext uri="{28A0092B-C50C-407E-A947-70E740481C1C}">
-                <a14:useLocalDpi xmlns:a14="http://schemas.microsoft.com/office/drawing/2010/main" val="0"/>
-              </a:ext>
-            </a:extLst>
-          </a:blip>
-          <a:srcRect/>
-          <a:stretch>
-            <a:fillRect/>
-          </a:stretch>
-        </p:blipFill>
-        <p:spPr bwMode="auto">
-          <a:xfrm>
-            <a:off x="164829" y="732404"/>
-            <a:ext cx="1341169" cy="1068779"/>
-          </a:xfrm>
-          <a:prstGeom prst="rect">
-            <a:avLst/>
-          </a:prstGeom>
-          <a:noFill/>
-          <a:extLst>
-            <a:ext uri="{909E8E84-426E-40DD-AFC4-6F175D3DCCD1}">
-              <a14:hiddenFill xmlns:a14="http://schemas.microsoft.com/office/drawing/2010/main">
-                <a:solidFill>
-                  <a:srgbClr val="FFFFFF"/>
-                </a:solidFill>
-              </a14:hiddenFill>
-            </a:ext>
-          </a:extLst>
-        </p:spPr>
-      </p:pic>
-      <p:sp>
-        <p:nvSpPr>
-          <p:cNvPr id="9" name="TextBox 8">
-            <a:extLst>
-              <a:ext uri="{FF2B5EF4-FFF2-40B4-BE49-F238E27FC236}">
-                <a16:creationId xmlns:a16="http://schemas.microsoft.com/office/drawing/2014/main" id="{810DD85E-D39F-4C3A-9BD0-4480E79A35AB}"/>
-              </a:ext>
-            </a:extLst>
-          </p:cNvPr>
-          <p:cNvSpPr txBox="1"/>
-          <p:nvPr/>
-        </p:nvSpPr>
-        <p:spPr>
-          <a:xfrm>
-            <a:off x="164829" y="1881005"/>
-            <a:ext cx="11888625" cy="923330"/>
-          </a:xfrm>
-          <a:prstGeom prst="rect">
-            <a:avLst/>
-          </a:prstGeom>
-          <a:noFill/>
-        </p:spPr>
-        <p:txBody>
-          <a:bodyPr wrap="square">
-            <a:spAutoFit/>
-          </a:bodyPr>
-          <a:lstStyle/>
-          <a:p>
-            <a:r>
-              <a:rPr lang="ru-RU" dirty="0"/>
-              <a:t>Другими словами, </a:t>
-            </a:r>
-            <a:r>
-              <a:rPr lang="ru-RU" dirty="0" err="1"/>
-              <a:t>Bootstrap</a:t>
-            </a:r>
-            <a:r>
-              <a:rPr lang="ru-RU" dirty="0"/>
-              <a:t> — это набор файлов. После их подключения к странице для верстки станет доступно большое количество готовых компонентов и классов. Они позволяют быстро и качественно создавать адаптивный дизайн сайта.</a:t>
-            </a:r>
-            <a:endParaRPr lang="en-US" dirty="0"/>
-          </a:p>
-        </p:txBody>
-      </p:sp>
-      <p:pic>
-        <p:nvPicPr>
-          <p:cNvPr id="8" name="Picture 7">
-            <a:extLst>
-              <a:ext uri="{FF2B5EF4-FFF2-40B4-BE49-F238E27FC236}">
-                <a16:creationId xmlns:a16="http://schemas.microsoft.com/office/drawing/2014/main" id="{E96813FB-0242-4D4E-8C4E-92A54C2982AD}"/>
-              </a:ext>
-            </a:extLst>
-          </p:cNvPr>
-          <p:cNvPicPr>
-            <a:picLocks noChangeAspect="1"/>
-          </p:cNvPicPr>
-          <p:nvPr/>
-        </p:nvPicPr>
-        <p:blipFill>
-          <a:blip r:embed="rId3"/>
-          <a:stretch>
-            <a:fillRect/>
-          </a:stretch>
-        </p:blipFill>
-        <p:spPr>
-          <a:xfrm>
-            <a:off x="269421" y="2953528"/>
-            <a:ext cx="6932963" cy="1339059"/>
-          </a:xfrm>
-          <a:prstGeom prst="rect">
-            <a:avLst/>
-          </a:prstGeom>
-        </p:spPr>
-      </p:pic>
-      <p:pic>
-        <p:nvPicPr>
-          <p:cNvPr id="12" name="Picture 11">
-            <a:extLst>
-              <a:ext uri="{FF2B5EF4-FFF2-40B4-BE49-F238E27FC236}">
-                <a16:creationId xmlns:a16="http://schemas.microsoft.com/office/drawing/2014/main" id="{18FB3121-BCF4-4CF1-A18C-AA019566D57C}"/>
-              </a:ext>
-            </a:extLst>
-          </p:cNvPr>
-          <p:cNvPicPr>
-            <a:picLocks noChangeAspect="1"/>
-          </p:cNvPicPr>
-          <p:nvPr/>
-        </p:nvPicPr>
-        <p:blipFill>
-          <a:blip r:embed="rId4"/>
-          <a:stretch>
-            <a:fillRect/>
-          </a:stretch>
-        </p:blipFill>
-        <p:spPr>
-          <a:xfrm>
-            <a:off x="3479346" y="4400286"/>
-            <a:ext cx="6757184" cy="2359921"/>
-          </a:xfrm>
-          <a:prstGeom prst="rect">
-            <a:avLst/>
-          </a:prstGeom>
-        </p:spPr>
-      </p:pic>
-    </p:spTree>
-    <p:extLst>
-      <p:ext uri="{BB962C8B-B14F-4D97-AF65-F5344CB8AC3E}">
-        <p14:creationId xmlns:p14="http://schemas.microsoft.com/office/powerpoint/2010/main" val="2141258262"/>
-      </p:ext>
-    </p:extLst>
-  </p:cSld>
-  <p:clrMapOvr>
-    <a:masterClrMapping/>
-  </p:clrMapOvr>
-</p:sld>
-</file>
-
 <file path=ppt/slides/slide19.xml><?xml version="1.0" encoding="utf-8"?>
 <p:sld xmlns:a="http://schemas.openxmlformats.org/drawingml/2006/main" xmlns:r="http://schemas.openxmlformats.org/officeDocument/2006/relationships" xmlns:p="http://schemas.openxmlformats.org/presentationml/2006/main">
   <p:cSld>
@@ -5653,52 +5698,179 @@
           <a:lstStyle/>
           <a:p>
             <a:r>
-              <a:rPr lang="ru-RU" dirty="0"/>
-              <a:t>Как работает </a:t>
-            </a:r>
-            <a:r>
               <a:rPr lang="en-US" dirty="0"/>
-              <a:t>Bootstrap?</a:t>
-            </a:r>
+              <a:t>Bootstrap</a:t>
+            </a:r>
+          </a:p>
+        </p:txBody>
+      </p:sp>
+      <p:sp>
+        <p:nvSpPr>
+          <p:cNvPr id="7" name="TextBox 6">
+            <a:extLst>
+              <a:ext uri="{FF2B5EF4-FFF2-40B4-BE49-F238E27FC236}">
+                <a16:creationId xmlns:a16="http://schemas.microsoft.com/office/drawing/2014/main" id="{2CB118AA-C0B0-4824-90E2-859F4C41FC6E}"/>
+              </a:ext>
+            </a:extLst>
+          </p:cNvPr>
+          <p:cNvSpPr txBox="1"/>
+          <p:nvPr/>
+        </p:nvSpPr>
+        <p:spPr>
+          <a:xfrm>
+            <a:off x="1462149" y="666630"/>
+            <a:ext cx="10591305" cy="1200329"/>
+          </a:xfrm>
+          <a:prstGeom prst="rect">
+            <a:avLst/>
+          </a:prstGeom>
+          <a:noFill/>
+        </p:spPr>
+        <p:txBody>
+          <a:bodyPr wrap="square">
+            <a:spAutoFit/>
+          </a:bodyPr>
+          <a:lstStyle/>
+          <a:p>
+            <a:r>
+              <a:rPr lang="ru-RU" dirty="0" err="1"/>
+              <a:t>Bootstrap</a:t>
+            </a:r>
+            <a:r>
+              <a:rPr lang="ru-RU" dirty="0"/>
+              <a:t> — это открытый и бесплатный </a:t>
+            </a:r>
+            <a:r>
+              <a:rPr lang="ru-RU" dirty="0">
+                <a:effectLst/>
+              </a:rPr>
+              <a:t>HTML-</a:t>
+            </a:r>
+            <a:r>
+              <a:rPr lang="ru-RU" dirty="0"/>
+              <a:t>, </a:t>
+            </a:r>
+            <a:r>
+              <a:rPr lang="ru-RU" dirty="0">
+                <a:effectLst/>
+              </a:rPr>
+              <a:t>CSS-</a:t>
+            </a:r>
+            <a:r>
+              <a:rPr lang="ru-RU" dirty="0"/>
+              <a:t> и </a:t>
+            </a:r>
+            <a:r>
+              <a:rPr lang="ru-RU" dirty="0">
+                <a:effectLst/>
+              </a:rPr>
+              <a:t>JS-фреймворк</a:t>
+            </a:r>
+            <a:r>
+              <a:rPr lang="ru-RU" dirty="0"/>
+              <a:t>, который используют веб-разработчики для быстрой верстки адаптивных дизайнов сайтов и веб-приложений. Включает в себя CSS- и HTML-шаблоны оформления для веб-форм, меток, типографики, кнопок, блоков навигации и других компонентов веб-интерфейса.</a:t>
+            </a:r>
+            <a:endParaRPr lang="en-US" dirty="0"/>
           </a:p>
         </p:txBody>
       </p:sp>
       <p:pic>
         <p:nvPicPr>
-          <p:cNvPr id="4" name="Picture 3">
-            <a:extLst>
-              <a:ext uri="{FF2B5EF4-FFF2-40B4-BE49-F238E27FC236}">
-                <a16:creationId xmlns:a16="http://schemas.microsoft.com/office/drawing/2014/main" id="{175EE5EF-7591-44A4-B485-AD170B58E46C}"/>
+          <p:cNvPr id="3074" name="Picture 2" descr="upload.wikimedia.org/wikipedia/commons/thumb/b/...">
+            <a:extLst>
+              <a:ext uri="{FF2B5EF4-FFF2-40B4-BE49-F238E27FC236}">
+                <a16:creationId xmlns:a16="http://schemas.microsoft.com/office/drawing/2014/main" id="{CDCBC811-9873-4A9F-AD6A-1D97E551A083}"/>
               </a:ext>
             </a:extLst>
           </p:cNvPr>
           <p:cNvPicPr>
-            <a:picLocks noChangeAspect="1"/>
+            <a:picLocks noChangeAspect="1" noChangeArrowheads="1"/>
           </p:cNvPicPr>
           <p:nvPr/>
         </p:nvPicPr>
         <p:blipFill>
-          <a:blip r:embed="rId2"/>
+          <a:blip r:embed="rId2">
+            <a:extLst>
+              <a:ext uri="{28A0092B-C50C-407E-A947-70E740481C1C}">
+                <a14:useLocalDpi xmlns:a14="http://schemas.microsoft.com/office/drawing/2010/main" val="0"/>
+              </a:ext>
+            </a:extLst>
+          </a:blip>
+          <a:srcRect/>
           <a:stretch>
             <a:fillRect/>
           </a:stretch>
         </p:blipFill>
-        <p:spPr>
-          <a:xfrm>
-            <a:off x="1551894" y="1335293"/>
-            <a:ext cx="8696325" cy="981075"/>
+        <p:spPr bwMode="auto">
+          <a:xfrm>
+            <a:off x="164829" y="732404"/>
+            <a:ext cx="1341169" cy="1068779"/>
           </a:xfrm>
           <a:prstGeom prst="rect">
             <a:avLst/>
           </a:prstGeom>
+          <a:noFill/>
+          <a:extLst>
+            <a:ext uri="{909E8E84-426E-40DD-AFC4-6F175D3DCCD1}">
+              <a14:hiddenFill xmlns:a14="http://schemas.microsoft.com/office/drawing/2010/main">
+                <a:solidFill>
+                  <a:srgbClr val="FFFFFF"/>
+                </a:solidFill>
+              </a14:hiddenFill>
+            </a:ext>
+          </a:extLst>
         </p:spPr>
       </p:pic>
+      <p:sp>
+        <p:nvSpPr>
+          <p:cNvPr id="9" name="TextBox 8">
+            <a:extLst>
+              <a:ext uri="{FF2B5EF4-FFF2-40B4-BE49-F238E27FC236}">
+                <a16:creationId xmlns:a16="http://schemas.microsoft.com/office/drawing/2014/main" id="{810DD85E-D39F-4C3A-9BD0-4480E79A35AB}"/>
+              </a:ext>
+            </a:extLst>
+          </p:cNvPr>
+          <p:cNvSpPr txBox="1"/>
+          <p:nvPr/>
+        </p:nvSpPr>
+        <p:spPr>
+          <a:xfrm>
+            <a:off x="164829" y="1881005"/>
+            <a:ext cx="11888625" cy="923330"/>
+          </a:xfrm>
+          <a:prstGeom prst="rect">
+            <a:avLst/>
+          </a:prstGeom>
+          <a:noFill/>
+        </p:spPr>
+        <p:txBody>
+          <a:bodyPr wrap="square">
+            <a:spAutoFit/>
+          </a:bodyPr>
+          <a:lstStyle/>
+          <a:p>
+            <a:r>
+              <a:rPr lang="ru-RU" dirty="0"/>
+              <a:t>Другими словами, </a:t>
+            </a:r>
+            <a:r>
+              <a:rPr lang="ru-RU" dirty="0" err="1"/>
+              <a:t>Bootstrap</a:t>
+            </a:r>
+            <a:r>
+              <a:rPr lang="ru-RU" dirty="0"/>
+              <a:t> — это набор файлов. После их подключения к странице для верстки станет доступно большое количество готовых компонентов и классов. Они позволяют быстро и качественно создавать адаптивный дизайн сайта.</a:t>
+            </a:r>
+            <a:endParaRPr lang="en-US" dirty="0"/>
+          </a:p>
+        </p:txBody>
+      </p:sp>
       <p:pic>
         <p:nvPicPr>
-          <p:cNvPr id="6" name="Picture 5">
-            <a:extLst>
-              <a:ext uri="{FF2B5EF4-FFF2-40B4-BE49-F238E27FC236}">
-                <a16:creationId xmlns:a16="http://schemas.microsoft.com/office/drawing/2014/main" id="{5234608E-0F1E-4D4F-B6F0-16B7B870DF35}"/>
+          <p:cNvPr id="8" name="Picture 7">
+            <a:extLst>
+              <a:ext uri="{FF2B5EF4-FFF2-40B4-BE49-F238E27FC236}">
+                <a16:creationId xmlns:a16="http://schemas.microsoft.com/office/drawing/2014/main" id="{E96813FB-0242-4D4E-8C4E-92A54C2982AD}"/>
               </a:ext>
             </a:extLst>
           </p:cNvPr>
@@ -5715,8 +5887,38 @@
         </p:blipFill>
         <p:spPr>
           <a:xfrm>
-            <a:off x="3688617" y="3590306"/>
-            <a:ext cx="3914775" cy="1066800"/>
+            <a:off x="269421" y="2953528"/>
+            <a:ext cx="6932963" cy="1339059"/>
+          </a:xfrm>
+          <a:prstGeom prst="rect">
+            <a:avLst/>
+          </a:prstGeom>
+        </p:spPr>
+      </p:pic>
+      <p:pic>
+        <p:nvPicPr>
+          <p:cNvPr id="12" name="Picture 11">
+            <a:extLst>
+              <a:ext uri="{FF2B5EF4-FFF2-40B4-BE49-F238E27FC236}">
+                <a16:creationId xmlns:a16="http://schemas.microsoft.com/office/drawing/2014/main" id="{18FB3121-BCF4-4CF1-A18C-AA019566D57C}"/>
+              </a:ext>
+            </a:extLst>
+          </p:cNvPr>
+          <p:cNvPicPr>
+            <a:picLocks noChangeAspect="1"/>
+          </p:cNvPicPr>
+          <p:nvPr/>
+        </p:nvPicPr>
+        <p:blipFill>
+          <a:blip r:embed="rId4"/>
+          <a:stretch>
+            <a:fillRect/>
+          </a:stretch>
+        </p:blipFill>
+        <p:spPr>
+          <a:xfrm>
+            <a:off x="3479346" y="4400286"/>
+            <a:ext cx="6757184" cy="2359921"/>
           </a:xfrm>
           <a:prstGeom prst="rect">
             <a:avLst/>
@@ -5726,7 +5928,7 @@
     </p:spTree>
     <p:extLst>
       <p:ext uri="{BB962C8B-B14F-4D97-AF65-F5344CB8AC3E}">
-        <p14:creationId xmlns:p14="http://schemas.microsoft.com/office/powerpoint/2010/main" val="481708261"/>
+        <p14:creationId xmlns:p14="http://schemas.microsoft.com/office/powerpoint/2010/main" val="2141258262"/>
       </p:ext>
     </p:extLst>
   </p:cSld>
@@ -5976,7 +6178,7 @@
           <a:p>
             <a:r>
               <a:rPr lang="ru-RU" dirty="0"/>
-              <a:t>Как подключить </a:t>
+              <a:t>Как работает </a:t>
             </a:r>
             <a:r>
               <a:rPr lang="en-US" dirty="0"/>
@@ -5985,64 +6187,12 @@
           </a:p>
         </p:txBody>
       </p:sp>
-      <p:sp>
-        <p:nvSpPr>
-          <p:cNvPr id="7" name="TextBox 6">
-            <a:extLst>
-              <a:ext uri="{FF2B5EF4-FFF2-40B4-BE49-F238E27FC236}">
-                <a16:creationId xmlns:a16="http://schemas.microsoft.com/office/drawing/2014/main" id="{DB58E7F7-FBE6-4BF4-B181-9EFF68BF1842}"/>
-              </a:ext>
-            </a:extLst>
-          </p:cNvPr>
-          <p:cNvSpPr txBox="1"/>
-          <p:nvPr/>
-        </p:nvSpPr>
-        <p:spPr>
-          <a:xfrm>
-            <a:off x="1370174" y="1217118"/>
-            <a:ext cx="9477935" cy="369332"/>
-          </a:xfrm>
-          <a:prstGeom prst="rect">
-            <a:avLst/>
-          </a:prstGeom>
-          <a:noFill/>
-        </p:spPr>
-        <p:txBody>
-          <a:bodyPr wrap="square">
-            <a:spAutoFit/>
-          </a:bodyPr>
-          <a:lstStyle/>
-          <a:p>
-            <a:r>
-              <a:rPr lang="ru-RU" dirty="0"/>
-              <a:t>Подключить </a:t>
-            </a:r>
-            <a:r>
-              <a:rPr lang="ru-RU" dirty="0" err="1"/>
-              <a:t>Бутстрап</a:t>
-            </a:r>
-            <a:r>
-              <a:rPr lang="ru-RU" dirty="0"/>
-              <a:t> можно либо через NPM, либо загрузив необходимые исходники в </a:t>
-            </a:r>
-            <a:r>
-              <a:rPr lang="ru-RU" dirty="0" err="1"/>
-              <a:t>html</a:t>
-            </a:r>
-            <a:r>
-              <a:rPr lang="ru-RU" dirty="0"/>
-              <a:t> </a:t>
-            </a:r>
-            <a:endParaRPr lang="en-US" dirty="0"/>
-          </a:p>
-        </p:txBody>
-      </p:sp>
       <p:pic>
         <p:nvPicPr>
-          <p:cNvPr id="8" name="Picture 7">
-            <a:extLst>
-              <a:ext uri="{FF2B5EF4-FFF2-40B4-BE49-F238E27FC236}">
-                <a16:creationId xmlns:a16="http://schemas.microsoft.com/office/drawing/2014/main" id="{7D9C31E0-693D-441A-800F-58514E897F18}"/>
+          <p:cNvPr id="4" name="Picture 3">
+            <a:extLst>
+              <a:ext uri="{FF2B5EF4-FFF2-40B4-BE49-F238E27FC236}">
+                <a16:creationId xmlns:a16="http://schemas.microsoft.com/office/drawing/2014/main" id="{175EE5EF-7591-44A4-B485-AD170B58E46C}"/>
               </a:ext>
             </a:extLst>
           </p:cNvPr>
@@ -6059,8 +6209,38 @@
         </p:blipFill>
         <p:spPr>
           <a:xfrm>
-            <a:off x="2231572" y="1823357"/>
-            <a:ext cx="7467600" cy="3733800"/>
+            <a:off x="1551894" y="1335293"/>
+            <a:ext cx="8696325" cy="981075"/>
+          </a:xfrm>
+          <a:prstGeom prst="rect">
+            <a:avLst/>
+          </a:prstGeom>
+        </p:spPr>
+      </p:pic>
+      <p:pic>
+        <p:nvPicPr>
+          <p:cNvPr id="6" name="Picture 5">
+            <a:extLst>
+              <a:ext uri="{FF2B5EF4-FFF2-40B4-BE49-F238E27FC236}">
+                <a16:creationId xmlns:a16="http://schemas.microsoft.com/office/drawing/2014/main" id="{5234608E-0F1E-4D4F-B6F0-16B7B870DF35}"/>
+              </a:ext>
+            </a:extLst>
+          </p:cNvPr>
+          <p:cNvPicPr>
+            <a:picLocks noChangeAspect="1"/>
+          </p:cNvPicPr>
+          <p:nvPr/>
+        </p:nvPicPr>
+        <p:blipFill>
+          <a:blip r:embed="rId3"/>
+          <a:stretch>
+            <a:fillRect/>
+          </a:stretch>
+        </p:blipFill>
+        <p:spPr>
+          <a:xfrm>
+            <a:off x="3688617" y="3590306"/>
+            <a:ext cx="3914775" cy="1066800"/>
           </a:xfrm>
           <a:prstGeom prst="rect">
             <a:avLst/>
@@ -6070,7 +6250,7 @@
     </p:spTree>
     <p:extLst>
       <p:ext uri="{BB962C8B-B14F-4D97-AF65-F5344CB8AC3E}">
-        <p14:creationId xmlns:p14="http://schemas.microsoft.com/office/powerpoint/2010/main" val="4057488553"/>
+        <p14:creationId xmlns:p14="http://schemas.microsoft.com/office/powerpoint/2010/main" val="481708261"/>
       </p:ext>
     </p:extLst>
   </p:cSld>
@@ -6127,11 +6307,62 @@
           <a:p>
             <a:r>
               <a:rPr lang="ru-RU" dirty="0"/>
-              <a:t>Пример использования </a:t>
-            </a:r>
-            <a:r>
-              <a:rPr lang="en-US" dirty="0" err="1"/>
-              <a:t>BOOtsrap</a:t>
+              <a:t>Как подключить </a:t>
+            </a:r>
+            <a:r>
+              <a:rPr lang="en-US" dirty="0"/>
+              <a:t>Bootstrap?</a:t>
+            </a:r>
+          </a:p>
+        </p:txBody>
+      </p:sp>
+      <p:sp>
+        <p:nvSpPr>
+          <p:cNvPr id="7" name="TextBox 6">
+            <a:extLst>
+              <a:ext uri="{FF2B5EF4-FFF2-40B4-BE49-F238E27FC236}">
+                <a16:creationId xmlns:a16="http://schemas.microsoft.com/office/drawing/2014/main" id="{DB58E7F7-FBE6-4BF4-B181-9EFF68BF1842}"/>
+              </a:ext>
+            </a:extLst>
+          </p:cNvPr>
+          <p:cNvSpPr txBox="1"/>
+          <p:nvPr/>
+        </p:nvSpPr>
+        <p:spPr>
+          <a:xfrm>
+            <a:off x="1370174" y="1217118"/>
+            <a:ext cx="9477935" cy="369332"/>
+          </a:xfrm>
+          <a:prstGeom prst="rect">
+            <a:avLst/>
+          </a:prstGeom>
+          <a:noFill/>
+        </p:spPr>
+        <p:txBody>
+          <a:bodyPr wrap="square">
+            <a:spAutoFit/>
+          </a:bodyPr>
+          <a:lstStyle/>
+          <a:p>
+            <a:r>
+              <a:rPr lang="ru-RU" dirty="0"/>
+              <a:t>Подключить </a:t>
+            </a:r>
+            <a:r>
+              <a:rPr lang="ru-RU" dirty="0" err="1"/>
+              <a:t>Бутстрап</a:t>
+            </a:r>
+            <a:r>
+              <a:rPr lang="ru-RU" dirty="0"/>
+              <a:t> можно либо через NPM, либо загрузив необходимые исходники в </a:t>
+            </a:r>
+            <a:r>
+              <a:rPr lang="ru-RU" dirty="0" err="1"/>
+              <a:t>html</a:t>
+            </a:r>
+            <a:r>
+              <a:rPr lang="ru-RU" dirty="0"/>
+              <a:t> </a:t>
             </a:r>
             <a:endParaRPr lang="en-US" dirty="0"/>
           </a:p>
@@ -6139,10 +6370,10 @@
       </p:sp>
       <p:pic>
         <p:nvPicPr>
-          <p:cNvPr id="6" name="Picture 5">
-            <a:extLst>
-              <a:ext uri="{FF2B5EF4-FFF2-40B4-BE49-F238E27FC236}">
-                <a16:creationId xmlns:a16="http://schemas.microsoft.com/office/drawing/2014/main" id="{BD1085E2-429A-4A8C-ACF4-AB165FD3A64A}"/>
+          <p:cNvPr id="8" name="Picture 7">
+            <a:extLst>
+              <a:ext uri="{FF2B5EF4-FFF2-40B4-BE49-F238E27FC236}">
+                <a16:creationId xmlns:a16="http://schemas.microsoft.com/office/drawing/2014/main" id="{7D9C31E0-693D-441A-800F-58514E897F18}"/>
               </a:ext>
             </a:extLst>
           </p:cNvPr>
@@ -6159,38 +6390,8 @@
         </p:blipFill>
         <p:spPr>
           <a:xfrm>
-            <a:off x="4348471" y="765401"/>
-            <a:ext cx="2343150" cy="1800225"/>
-          </a:xfrm>
-          <a:prstGeom prst="rect">
-            <a:avLst/>
-          </a:prstGeom>
-        </p:spPr>
-      </p:pic>
-      <p:pic>
-        <p:nvPicPr>
-          <p:cNvPr id="10" name="Picture 9">
-            <a:extLst>
-              <a:ext uri="{FF2B5EF4-FFF2-40B4-BE49-F238E27FC236}">
-                <a16:creationId xmlns:a16="http://schemas.microsoft.com/office/drawing/2014/main" id="{6091449E-5879-4BE3-B4C9-F7916A6A696D}"/>
-              </a:ext>
-            </a:extLst>
-          </p:cNvPr>
-          <p:cNvPicPr>
-            <a:picLocks noChangeAspect="1"/>
-          </p:cNvPicPr>
-          <p:nvPr/>
-        </p:nvPicPr>
-        <p:blipFill>
-          <a:blip r:embed="rId3"/>
-          <a:stretch>
-            <a:fillRect/>
-          </a:stretch>
-        </p:blipFill>
-        <p:spPr>
-          <a:xfrm>
-            <a:off x="509587" y="3652961"/>
-            <a:ext cx="11172825" cy="2200275"/>
+            <a:off x="2231572" y="1823357"/>
+            <a:ext cx="7467600" cy="3733800"/>
           </a:xfrm>
           <a:prstGeom prst="rect">
             <a:avLst/>
@@ -6200,7 +6401,7 @@
     </p:spTree>
     <p:extLst>
       <p:ext uri="{BB962C8B-B14F-4D97-AF65-F5344CB8AC3E}">
-        <p14:creationId xmlns:p14="http://schemas.microsoft.com/office/powerpoint/2010/main" val="4234154919"/>
+        <p14:creationId xmlns:p14="http://schemas.microsoft.com/office/powerpoint/2010/main" val="4057488553"/>
       </p:ext>
     </p:extLst>
   </p:cSld>
@@ -6257,6 +6458,136 @@
           <a:p>
             <a:r>
               <a:rPr lang="ru-RU" dirty="0"/>
+              <a:t>Пример использования </a:t>
+            </a:r>
+            <a:r>
+              <a:rPr lang="en-US" dirty="0" err="1"/>
+              <a:t>BOOtsrap</a:t>
+            </a:r>
+            <a:endParaRPr lang="en-US" dirty="0"/>
+          </a:p>
+        </p:txBody>
+      </p:sp>
+      <p:pic>
+        <p:nvPicPr>
+          <p:cNvPr id="6" name="Picture 5">
+            <a:extLst>
+              <a:ext uri="{FF2B5EF4-FFF2-40B4-BE49-F238E27FC236}">
+                <a16:creationId xmlns:a16="http://schemas.microsoft.com/office/drawing/2014/main" id="{BD1085E2-429A-4A8C-ACF4-AB165FD3A64A}"/>
+              </a:ext>
+            </a:extLst>
+          </p:cNvPr>
+          <p:cNvPicPr>
+            <a:picLocks noChangeAspect="1"/>
+          </p:cNvPicPr>
+          <p:nvPr/>
+        </p:nvPicPr>
+        <p:blipFill>
+          <a:blip r:embed="rId2"/>
+          <a:stretch>
+            <a:fillRect/>
+          </a:stretch>
+        </p:blipFill>
+        <p:spPr>
+          <a:xfrm>
+            <a:off x="4348471" y="765401"/>
+            <a:ext cx="2343150" cy="1800225"/>
+          </a:xfrm>
+          <a:prstGeom prst="rect">
+            <a:avLst/>
+          </a:prstGeom>
+        </p:spPr>
+      </p:pic>
+      <p:pic>
+        <p:nvPicPr>
+          <p:cNvPr id="10" name="Picture 9">
+            <a:extLst>
+              <a:ext uri="{FF2B5EF4-FFF2-40B4-BE49-F238E27FC236}">
+                <a16:creationId xmlns:a16="http://schemas.microsoft.com/office/drawing/2014/main" id="{6091449E-5879-4BE3-B4C9-F7916A6A696D}"/>
+              </a:ext>
+            </a:extLst>
+          </p:cNvPr>
+          <p:cNvPicPr>
+            <a:picLocks noChangeAspect="1"/>
+          </p:cNvPicPr>
+          <p:nvPr/>
+        </p:nvPicPr>
+        <p:blipFill>
+          <a:blip r:embed="rId3"/>
+          <a:stretch>
+            <a:fillRect/>
+          </a:stretch>
+        </p:blipFill>
+        <p:spPr>
+          <a:xfrm>
+            <a:off x="509587" y="3652961"/>
+            <a:ext cx="11172825" cy="2200275"/>
+          </a:xfrm>
+          <a:prstGeom prst="rect">
+            <a:avLst/>
+          </a:prstGeom>
+        </p:spPr>
+      </p:pic>
+    </p:spTree>
+    <p:extLst>
+      <p:ext uri="{BB962C8B-B14F-4D97-AF65-F5344CB8AC3E}">
+        <p14:creationId xmlns:p14="http://schemas.microsoft.com/office/powerpoint/2010/main" val="4234154919"/>
+      </p:ext>
+    </p:extLst>
+  </p:cSld>
+  <p:clrMapOvr>
+    <a:masterClrMapping/>
+  </p:clrMapOvr>
+</p:sld>
+</file>
+
+<file path=ppt/slides/slide23.xml><?xml version="1.0" encoding="utf-8"?>
+<p:sld xmlns:a="http://schemas.openxmlformats.org/drawingml/2006/main" xmlns:r="http://schemas.openxmlformats.org/officeDocument/2006/relationships" xmlns:p="http://schemas.openxmlformats.org/presentationml/2006/main">
+  <p:cSld>
+    <p:spTree>
+      <p:nvGrpSpPr>
+        <p:cNvPr id="1" name=""/>
+        <p:cNvGrpSpPr/>
+        <p:nvPr/>
+      </p:nvGrpSpPr>
+      <p:grpSpPr>
+        <a:xfrm>
+          <a:off x="0" y="0"/>
+          <a:ext cx="0" cy="0"/>
+          <a:chOff x="0" y="0"/>
+          <a:chExt cx="0" cy="0"/>
+        </a:xfrm>
+      </p:grpSpPr>
+      <p:sp>
+        <p:nvSpPr>
+          <p:cNvPr id="2" name="Title 1">
+            <a:extLst>
+              <a:ext uri="{FF2B5EF4-FFF2-40B4-BE49-F238E27FC236}">
+                <a16:creationId xmlns:a16="http://schemas.microsoft.com/office/drawing/2014/main" id="{4369FB8F-EA69-4AD4-85A0-57A4CF8DE282}"/>
+              </a:ext>
+            </a:extLst>
+          </p:cNvPr>
+          <p:cNvSpPr>
+            <a:spLocks noGrp="1"/>
+          </p:cNvSpPr>
+          <p:nvPr>
+            <p:ph type="title"/>
+          </p:nvPr>
+        </p:nvSpPr>
+        <p:spPr>
+          <a:xfrm>
+            <a:off x="164829" y="97793"/>
+            <a:ext cx="11888626" cy="400971"/>
+          </a:xfrm>
+        </p:spPr>
+        <p:txBody>
+          <a:bodyPr>
+            <a:normAutofit fontScale="90000"/>
+          </a:bodyPr>
+          <a:lstStyle/>
+          <a:p>
+            <a:r>
+              <a:rPr lang="ru-RU" dirty="0"/>
               <a:t>Когда лучше использовать </a:t>
             </a:r>
             <a:r>
@@ -6496,7 +6827,7 @@
 </p:sld>
 </file>
 
-<file path=ppt/slides/slide23.xml><?xml version="1.0" encoding="utf-8"?>
+<file path=ppt/slides/slide24.xml><?xml version="1.0" encoding="utf-8"?>
 <p:sld xmlns:a="http://schemas.openxmlformats.org/drawingml/2006/main" xmlns:r="http://schemas.openxmlformats.org/officeDocument/2006/relationships" xmlns:p="http://schemas.openxmlformats.org/presentationml/2006/main">
   <p:cSld>
     <p:spTree>
@@ -8573,7 +8904,7 @@
           <p:cNvPr id="2" name="Title 1">
             <a:extLst>
               <a:ext uri="{FF2B5EF4-FFF2-40B4-BE49-F238E27FC236}">
-                <a16:creationId xmlns:a16="http://schemas.microsoft.com/office/drawing/2014/main" id="{4369FB8F-EA69-4AD4-85A0-57A4CF8DE282}"/>
+                <a16:creationId xmlns:a16="http://schemas.microsoft.com/office/drawing/2014/main" id="{549A623B-BE3C-4E32-80F2-080E934569F7}"/>
               </a:ext>
             </a:extLst>
           </p:cNvPr>
@@ -8586,8 +8917,8 @@
         </p:nvSpPr>
         <p:spPr>
           <a:xfrm>
-            <a:off x="164829" y="97793"/>
-            <a:ext cx="11888626" cy="400971"/>
+            <a:off x="133874" y="50291"/>
+            <a:ext cx="11924251" cy="347532"/>
           </a:xfrm>
         </p:spPr>
         <p:txBody>
@@ -8598,88 +8929,182 @@
           <a:p>
             <a:r>
               <a:rPr lang="en-US" dirty="0" err="1"/>
-              <a:t>Scss</a:t>
+              <a:t>NPM.package</a:t>
+            </a:r>
+            <a:r>
+              <a:rPr lang="en-US" dirty="0"/>
+              <a:t>-lock</a:t>
+            </a:r>
+          </a:p>
+        </p:txBody>
+      </p:sp>
+      <p:sp>
+        <p:nvSpPr>
+          <p:cNvPr id="11" name="TextBox 10">
+            <a:extLst>
+              <a:ext uri="{FF2B5EF4-FFF2-40B4-BE49-F238E27FC236}">
+                <a16:creationId xmlns:a16="http://schemas.microsoft.com/office/drawing/2014/main" id="{C06B6152-3491-4E6C-A3C8-8F5C8D6B8661}"/>
+              </a:ext>
+            </a:extLst>
+          </p:cNvPr>
+          <p:cNvSpPr txBox="1"/>
+          <p:nvPr/>
+        </p:nvSpPr>
+        <p:spPr>
+          <a:xfrm>
+            <a:off x="133874" y="686948"/>
+            <a:ext cx="11924250" cy="1200329"/>
+          </a:xfrm>
+          <a:prstGeom prst="rect">
+            <a:avLst/>
+          </a:prstGeom>
+          <a:noFill/>
+        </p:spPr>
+        <p:txBody>
+          <a:bodyPr wrap="square">
+            <a:spAutoFit/>
+          </a:bodyPr>
+          <a:lstStyle/>
+          <a:p>
+            <a:r>
+              <a:rPr lang="ru-RU" dirty="0"/>
+              <a:t>Когда вы устанавливаете пакеты через </a:t>
+            </a:r>
+            <a:r>
+              <a:rPr lang="ru-RU" dirty="0" err="1"/>
+              <a:t>npm</a:t>
+            </a:r>
+            <a:r>
+              <a:rPr lang="ru-RU" dirty="0"/>
+              <a:t>, автоматически создается файл </a:t>
+            </a:r>
+            <a:r>
+              <a:rPr lang="ru-RU" b="1" dirty="0" err="1">
+                <a:effectLst/>
+              </a:rPr>
+              <a:t>package-lock.json</a:t>
+            </a:r>
+            <a:r>
+              <a:rPr lang="ru-RU" dirty="0"/>
+              <a:t>.</a:t>
             </a:r>
             <a:endParaRPr lang="en-US" dirty="0"/>
           </a:p>
-        </p:txBody>
-      </p:sp>
-      <p:sp>
-        <p:nvSpPr>
-          <p:cNvPr id="3" name="Content Placeholder 2">
-            <a:extLst>
-              <a:ext uri="{FF2B5EF4-FFF2-40B4-BE49-F238E27FC236}">
-                <a16:creationId xmlns:a16="http://schemas.microsoft.com/office/drawing/2014/main" id="{AECA9BB9-E9D7-49E6-821D-EF95804D26C0}"/>
-              </a:ext>
-            </a:extLst>
-          </p:cNvPr>
-          <p:cNvSpPr>
-            <a:spLocks noGrp="1"/>
-          </p:cNvSpPr>
-          <p:nvPr>
-            <p:ph idx="1"/>
-          </p:nvPr>
-        </p:nvSpPr>
-        <p:spPr>
-          <a:xfrm>
-            <a:off x="1347354" y="666741"/>
-            <a:ext cx="10706099" cy="1227373"/>
-          </a:xfrm>
-        </p:spPr>
-        <p:txBody>
-          <a:bodyPr>
-            <a:normAutofit lnSpcReduction="10000"/>
-          </a:bodyPr>
-          <a:lstStyle/>
-          <a:p>
-            <a:pPr marL="0" indent="0">
-              <a:buNone/>
-            </a:pPr>
+          <a:p>
+            <a:endParaRPr lang="en-US" b="1" dirty="0">
+              <a:effectLst/>
+            </a:endParaRPr>
+          </a:p>
+          <a:p>
             <a:r>
               <a:rPr lang="ru-RU" b="1" dirty="0">
                 <a:effectLst/>
               </a:rPr>
-              <a:t>SCSS </a:t>
-            </a:r>
-            <a:r>
-              <a:rPr lang="ru-RU" dirty="0"/>
-              <a:t>— это метаязык (язык для описания другого языка), который упрощает и ускоряет написание CSS-кода. </a:t>
+              <a:t>Проблема:</a:t>
+            </a:r>
+            <a:r>
+              <a:rPr lang="ru-RU" dirty="0"/>
+              <a:t> В </a:t>
+            </a:r>
+            <a:r>
+              <a:rPr lang="ru-RU" dirty="0" err="1"/>
+              <a:t>package.json</a:t>
+            </a:r>
+            <a:r>
+              <a:rPr lang="ru-RU" dirty="0"/>
+              <a:t> версии указываются как </a:t>
+            </a:r>
+            <a:r>
+              <a:rPr lang="ru-RU" dirty="0">
+                <a:solidFill>
+                  <a:srgbClr val="EB5757"/>
+                </a:solidFill>
+                <a:effectLst/>
+                <a:latin typeface="SFMono-Regular"/>
+              </a:rPr>
+              <a:t>"</a:t>
+            </a:r>
+            <a:r>
+              <a:rPr lang="ru-RU" dirty="0" err="1">
+                <a:solidFill>
+                  <a:srgbClr val="EB5757"/>
+                </a:solidFill>
+                <a:effectLst/>
+                <a:latin typeface="SFMono-Regular"/>
+              </a:rPr>
+              <a:t>bootstrap</a:t>
+            </a:r>
+            <a:r>
+              <a:rPr lang="ru-RU" dirty="0">
+                <a:solidFill>
+                  <a:srgbClr val="EB5757"/>
+                </a:solidFill>
+                <a:effectLst/>
+                <a:latin typeface="SFMono-Regular"/>
+              </a:rPr>
+              <a:t>": "^5.3.0“</a:t>
+            </a:r>
+            <a:r>
+              <a:rPr lang="ru-RU" dirty="0"/>
+              <a:t>, что означает "любая совместимая версия". Разные разработчики могут получить разные версии пакетов. То есть </a:t>
+            </a:r>
+            <a:r>
+              <a:rPr lang="ru-RU" dirty="0" err="1"/>
+              <a:t>npm</a:t>
+            </a:r>
+            <a:r>
+              <a:rPr lang="ru-RU" dirty="0"/>
+              <a:t> может установить 5.3.1, 5.4.0 и т.д.</a:t>
             </a:r>
             <a:endParaRPr lang="en-US" dirty="0"/>
           </a:p>
-          <a:p>
-            <a:pPr marL="0" indent="0">
-              <a:buNone/>
-            </a:pPr>
-            <a:r>
-              <a:rPr lang="ru-RU" dirty="0"/>
-              <a:t>Его часто называют </a:t>
-            </a:r>
-            <a:r>
-              <a:rPr lang="ru-RU" i="1" dirty="0"/>
-              <a:t>препроцессором</a:t>
-            </a:r>
-            <a:r>
-              <a:rPr lang="ru-RU" dirty="0"/>
-              <a:t> </a:t>
-            </a:r>
-            <a:r>
-              <a:rPr lang="ru-RU" i="1" dirty="0">
+        </p:txBody>
+      </p:sp>
+      <p:sp>
+        <p:nvSpPr>
+          <p:cNvPr id="6" name="TextBox 5">
+            <a:extLst>
+              <a:ext uri="{FF2B5EF4-FFF2-40B4-BE49-F238E27FC236}">
+                <a16:creationId xmlns:a16="http://schemas.microsoft.com/office/drawing/2014/main" id="{87B929E1-4C93-41A9-B971-FB9DD5ABE369}"/>
+              </a:ext>
+            </a:extLst>
+          </p:cNvPr>
+          <p:cNvSpPr txBox="1"/>
+          <p:nvPr/>
+        </p:nvSpPr>
+        <p:spPr>
+          <a:xfrm>
+            <a:off x="133874" y="2309968"/>
+            <a:ext cx="11924250" cy="369332"/>
+          </a:xfrm>
+          <a:prstGeom prst="rect">
+            <a:avLst/>
+          </a:prstGeom>
+          <a:noFill/>
+        </p:spPr>
+        <p:txBody>
+          <a:bodyPr wrap="square">
+            <a:spAutoFit/>
+          </a:bodyPr>
+          <a:lstStyle/>
+          <a:p>
+            <a:r>
+              <a:rPr lang="ru-RU" b="1" dirty="0">
                 <a:effectLst/>
               </a:rPr>
-              <a:t>CSS</a:t>
-            </a:r>
-            <a:r>
-              <a:rPr lang="ru-RU" dirty="0"/>
-              <a:t> — это означает, что SCSS имеет свой синтаксис, из которого специальная программа</a:t>
-            </a:r>
-            <a:r>
-              <a:rPr lang="en-US" dirty="0"/>
+              <a:t>Решение:</a:t>
+            </a:r>
+            <a:r>
+              <a:rPr lang="ru-RU" dirty="0"/>
               <a:t> </a:t>
             </a:r>
             <a:r>
-              <a:rPr lang="ru-RU" dirty="0"/>
-              <a:t>генерирует CSS-код, понятный любому браузеру.</a:t>
+              <a:rPr lang="ru-RU" dirty="0" err="1"/>
+              <a:t>package-lock.json</a:t>
+            </a:r>
+            <a:r>
+              <a:rPr lang="ru-RU" dirty="0"/>
+              <a:t> фиксирует точные версии всех пакетов:</a:t>
             </a:r>
             <a:endParaRPr lang="en-US" dirty="0"/>
           </a:p>
@@ -8687,10 +9112,10 @@
       </p:sp>
       <p:pic>
         <p:nvPicPr>
-          <p:cNvPr id="5" name="Picture 4">
-            <a:extLst>
-              <a:ext uri="{FF2B5EF4-FFF2-40B4-BE49-F238E27FC236}">
-                <a16:creationId xmlns:a16="http://schemas.microsoft.com/office/drawing/2014/main" id="{52786A5C-5448-429B-8C70-FE25ADB7CE80}"/>
+          <p:cNvPr id="7" name="Picture 6">
+            <a:extLst>
+              <a:ext uri="{FF2B5EF4-FFF2-40B4-BE49-F238E27FC236}">
+                <a16:creationId xmlns:a16="http://schemas.microsoft.com/office/drawing/2014/main" id="{4D081142-6D95-46B4-BA05-6F847582882C}"/>
               </a:ext>
             </a:extLst>
           </p:cNvPr>
@@ -8707,8 +9132,8 @@
         </p:blipFill>
         <p:spPr>
           <a:xfrm>
-            <a:off x="375557" y="895775"/>
-            <a:ext cx="843965" cy="632159"/>
+            <a:off x="2624136" y="3007031"/>
+            <a:ext cx="6943725" cy="1790700"/>
           </a:xfrm>
           <a:prstGeom prst="rect">
             <a:avLst/>
@@ -8717,10 +9142,10 @@
       </p:pic>
       <p:sp>
         <p:nvSpPr>
-          <p:cNvPr id="7" name="TextBox 6">
-            <a:extLst>
-              <a:ext uri="{FF2B5EF4-FFF2-40B4-BE49-F238E27FC236}">
-                <a16:creationId xmlns:a16="http://schemas.microsoft.com/office/drawing/2014/main" id="{D64B6967-C845-4563-A6BB-31FCEB633945}"/>
+          <p:cNvPr id="15" name="TextBox 14">
+            <a:extLst>
+              <a:ext uri="{FF2B5EF4-FFF2-40B4-BE49-F238E27FC236}">
+                <a16:creationId xmlns:a16="http://schemas.microsoft.com/office/drawing/2014/main" id="{00222ED6-6011-4715-82F6-158CBB051154}"/>
               </a:ext>
             </a:extLst>
           </p:cNvPr>
@@ -8729,8 +9154,8 @@
         </p:nvSpPr>
         <p:spPr>
           <a:xfrm>
-            <a:off x="375556" y="2381742"/>
-            <a:ext cx="11677897" cy="369332"/>
+            <a:off x="0" y="5391835"/>
+            <a:ext cx="11650133" cy="1200329"/>
           </a:xfrm>
           <a:prstGeom prst="rect">
             <a:avLst/>
@@ -8743,48 +9168,107 @@
           </a:bodyPr>
           <a:lstStyle/>
           <a:p>
-            <a:r>
-              <a:rPr lang="ru-RU" dirty="0"/>
-              <a:t>У SCSS есть «родной брат» - SASS. Отличаются они лишь синтаксисом и то не значительно. </a:t>
+            <a:pPr marL="285750" indent="-285750">
+              <a:buFont typeface="Arial" panose="020B0604020202020204" pitchFamily="34" charset="0"/>
+              <a:buChar char="•"/>
+            </a:pPr>
+            <a:r>
+              <a:rPr lang="ru-RU" b="1" dirty="0">
+                <a:effectLst/>
+              </a:rPr>
+              <a:t>Добавляйте в </a:t>
+            </a:r>
+            <a:r>
+              <a:rPr lang="ru-RU" b="1" dirty="0" err="1">
+                <a:effectLst/>
+              </a:rPr>
+              <a:t>git</a:t>
+            </a:r>
+            <a:r>
+              <a:rPr lang="ru-RU" dirty="0"/>
+              <a:t> — это гарантирует, что все разработчики получат одинаковые версии пакетов</a:t>
             </a:r>
             <a:endParaRPr lang="en-US" dirty="0"/>
           </a:p>
-        </p:txBody>
-      </p:sp>
-      <p:pic>
-        <p:nvPicPr>
-          <p:cNvPr id="9" name="Picture 8">
-            <a:extLst>
-              <a:ext uri="{FF2B5EF4-FFF2-40B4-BE49-F238E27FC236}">
-                <a16:creationId xmlns:a16="http://schemas.microsoft.com/office/drawing/2014/main" id="{B89F14B8-00C1-4A66-B752-03A2085BB933}"/>
-              </a:ext>
-            </a:extLst>
-          </p:cNvPr>
-          <p:cNvPicPr>
-            <a:picLocks noChangeAspect="1"/>
-          </p:cNvPicPr>
-          <p:nvPr/>
-        </p:nvPicPr>
-        <p:blipFill>
-          <a:blip r:embed="rId3"/>
-          <a:stretch>
-            <a:fillRect/>
-          </a:stretch>
-        </p:blipFill>
-        <p:spPr>
-          <a:xfrm>
-            <a:off x="1270165" y="2923266"/>
-            <a:ext cx="8915400" cy="3076575"/>
-          </a:xfrm>
-          <a:prstGeom prst="rect">
-            <a:avLst/>
-          </a:prstGeom>
-        </p:spPr>
-      </p:pic>
+          <a:p>
+            <a:pPr marL="285750" indent="-285750">
+              <a:buFont typeface="Arial" panose="020B0604020202020204" pitchFamily="34" charset="0"/>
+              <a:buChar char="•"/>
+            </a:pPr>
+            <a:r>
+              <a:rPr lang="ru-RU" b="1" dirty="0">
+                <a:effectLst/>
+              </a:rPr>
+              <a:t>Не редактируйте вручную</a:t>
+            </a:r>
+            <a:r>
+              <a:rPr lang="ru-RU" dirty="0"/>
+              <a:t> — он автоматически обновляется при установке/удалении пакетов</a:t>
+            </a:r>
+            <a:endParaRPr lang="en-US" dirty="0"/>
+          </a:p>
+          <a:p>
+            <a:pPr marL="285750" indent="-285750">
+              <a:buFont typeface="Arial" panose="020B0604020202020204" pitchFamily="34" charset="0"/>
+              <a:buChar char="•"/>
+            </a:pPr>
+            <a:r>
+              <a:rPr lang="ru-RU" b="1" dirty="0">
+                <a:effectLst/>
+              </a:rPr>
+              <a:t>При конфликтах</a:t>
+            </a:r>
+            <a:r>
+              <a:rPr lang="ru-RU" dirty="0"/>
+              <a:t> — обычно можно удалить файл и выполнить </a:t>
+            </a:r>
+            <a:r>
+              <a:rPr lang="ru-RU" dirty="0" err="1">
+                <a:solidFill>
+                  <a:srgbClr val="EB5757"/>
+                </a:solidFill>
+                <a:effectLst/>
+                <a:latin typeface="SFMono-Regular"/>
+              </a:rPr>
+              <a:t>npm</a:t>
+            </a:r>
+            <a:r>
+              <a:rPr lang="ru-RU" dirty="0">
+                <a:solidFill>
+                  <a:srgbClr val="EB5757"/>
+                </a:solidFill>
+                <a:effectLst/>
+                <a:latin typeface="SFMono-Regular"/>
+              </a:rPr>
+              <a:t> </a:t>
+            </a:r>
+            <a:r>
+              <a:rPr lang="ru-RU" dirty="0" err="1">
+                <a:solidFill>
+                  <a:srgbClr val="EB5757"/>
+                </a:solidFill>
+                <a:effectLst/>
+                <a:latin typeface="SFMono-Regular"/>
+              </a:rPr>
+              <a:t>install</a:t>
+            </a:r>
+            <a:endParaRPr lang="ru-RU" dirty="0">
+              <a:effectLst/>
+            </a:endParaRPr>
+          </a:p>
+          <a:p>
+            <a:r>
+              <a:rPr lang="ru-RU" dirty="0"/>
+              <a:t>заново</a:t>
+            </a:r>
+            <a:endParaRPr lang="en-US" dirty="0"/>
+          </a:p>
+        </p:txBody>
+      </p:sp>
     </p:spTree>
     <p:extLst>
       <p:ext uri="{BB962C8B-B14F-4D97-AF65-F5344CB8AC3E}">
-        <p14:creationId xmlns:p14="http://schemas.microsoft.com/office/powerpoint/2010/main" val="746985623"/>
+        <p14:creationId xmlns:p14="http://schemas.microsoft.com/office/powerpoint/2010/main" val="667186263"/>
       </p:ext>
     </p:extLst>
   </p:cSld>
@@ -8840,16 +9324,8 @@
           <a:lstStyle/>
           <a:p>
             <a:r>
-              <a:rPr lang="ru-RU" dirty="0"/>
-              <a:t>Для чего нужен </a:t>
-            </a:r>
-            <a:r>
               <a:rPr lang="en-US" dirty="0" err="1"/>
               <a:t>Scss</a:t>
-            </a:r>
-            <a:r>
-              <a:rPr lang="ru-RU" dirty="0"/>
-              <a:t>?</a:t>
             </a:r>
             <a:endParaRPr lang="en-US" dirty="0"/>
           </a:p>
@@ -8873,13 +9349,13 @@
         </p:nvSpPr>
         <p:spPr>
           <a:xfrm>
-            <a:off x="164829" y="737993"/>
-            <a:ext cx="11888626" cy="2331778"/>
+            <a:off x="1347354" y="666741"/>
+            <a:ext cx="10706099" cy="1227373"/>
           </a:xfrm>
         </p:spPr>
         <p:txBody>
           <a:bodyPr>
-            <a:normAutofit/>
+            <a:normAutofit lnSpcReduction="10000"/>
           </a:bodyPr>
           <a:lstStyle/>
           <a:p>
@@ -8887,56 +9363,61 @@
               <a:buNone/>
             </a:pPr>
             <a:r>
-              <a:rPr lang="ru-RU" dirty="0"/>
-              <a:t>Препроцессор SCSS помогает:</a:t>
-            </a:r>
-          </a:p>
-          <a:p>
-            <a:r>
-              <a:rPr lang="ru-RU" b="1" dirty="0"/>
-              <a:t>сделать CSS-код понятнее и проще</a:t>
-            </a:r>
-            <a:r>
-              <a:rPr lang="ru-RU" dirty="0"/>
-              <a:t>. Его легче масштабировать, обновлять и поддерживать;</a:t>
-            </a:r>
-          </a:p>
-          <a:p>
-            <a:r>
-              <a:rPr lang="ru-RU" b="1" dirty="0"/>
-              <a:t>расширить функциональность.</a:t>
-            </a:r>
-            <a:r>
-              <a:rPr lang="ru-RU" dirty="0"/>
-              <a:t> С помощью </a:t>
-            </a:r>
-            <a:r>
-              <a:rPr lang="ru-RU" dirty="0" err="1"/>
-              <a:t>Sass</a:t>
-            </a:r>
-            <a:r>
-              <a:rPr lang="ru-RU" dirty="0"/>
-              <a:t> можно использовать CSS-константы, встроенные функции, вложенные правила, примеси (смешанные стили), наследование и так далее;</a:t>
-            </a:r>
-          </a:p>
-          <a:p>
-            <a:r>
-              <a:rPr lang="ru-RU" b="1" dirty="0"/>
-              <a:t>избежать многократного повторения одинаковых фрагментов кода</a:t>
-            </a:r>
-            <a:r>
-              <a:rPr lang="ru-RU" dirty="0"/>
-              <a:t>. Это экономит время разработчика, уменьшает объем файлов стилей и ускоряет обработку страниц.</a:t>
-            </a:r>
+              <a:rPr lang="ru-RU" b="1" dirty="0">
+                <a:effectLst/>
+              </a:rPr>
+              <a:t>SCSS </a:t>
+            </a:r>
+            <a:r>
+              <a:rPr lang="ru-RU" dirty="0"/>
+              <a:t>— это метаязык (язык для описания другого языка), который упрощает и ускоряет написание CSS-кода. </a:t>
+            </a:r>
+            <a:endParaRPr lang="en-US" dirty="0"/>
+          </a:p>
+          <a:p>
+            <a:pPr marL="0" indent="0">
+              <a:buNone/>
+            </a:pPr>
+            <a:r>
+              <a:rPr lang="ru-RU" dirty="0"/>
+              <a:t>Его часто называют </a:t>
+            </a:r>
+            <a:r>
+              <a:rPr lang="ru-RU" i="1" dirty="0"/>
+              <a:t>препроцессором</a:t>
+            </a:r>
+            <a:r>
+              <a:rPr lang="ru-RU" dirty="0"/>
+              <a:t> </a:t>
+            </a:r>
+            <a:r>
+              <a:rPr lang="ru-RU" i="1" dirty="0">
+                <a:effectLst/>
+              </a:rPr>
+              <a:t>CSS</a:t>
+            </a:r>
+            <a:r>
+              <a:rPr lang="ru-RU" dirty="0"/>
+              <a:t> — это означает, что SCSS имеет свой синтаксис, из которого специальная программа</a:t>
+            </a:r>
+            <a:r>
+              <a:rPr lang="en-US" dirty="0"/>
+              <a:t> </a:t>
+            </a:r>
+            <a:r>
+              <a:rPr lang="ru-RU" dirty="0"/>
+              <a:t>генерирует CSS-код, понятный любому браузеру.</a:t>
+            </a:r>
+            <a:endParaRPr lang="en-US" dirty="0"/>
           </a:p>
         </p:txBody>
       </p:sp>
       <p:pic>
         <p:nvPicPr>
-          <p:cNvPr id="6" name="Picture 5">
-            <a:extLst>
-              <a:ext uri="{FF2B5EF4-FFF2-40B4-BE49-F238E27FC236}">
-                <a16:creationId xmlns:a16="http://schemas.microsoft.com/office/drawing/2014/main" id="{BD482C16-7C84-41A4-BE08-847BACE45FDB}"/>
+          <p:cNvPr id="5" name="Picture 4">
+            <a:extLst>
+              <a:ext uri="{FF2B5EF4-FFF2-40B4-BE49-F238E27FC236}">
+                <a16:creationId xmlns:a16="http://schemas.microsoft.com/office/drawing/2014/main" id="{52786A5C-5448-429B-8C70-FE25ADB7CE80}"/>
               </a:ext>
             </a:extLst>
           </p:cNvPr>
@@ -8953,8 +9434,8 @@
         </p:blipFill>
         <p:spPr>
           <a:xfrm>
-            <a:off x="2236903" y="3105396"/>
-            <a:ext cx="7744477" cy="3117274"/>
+            <a:off x="375557" y="895775"/>
+            <a:ext cx="843965" cy="632159"/>
           </a:xfrm>
           <a:prstGeom prst="rect">
             <a:avLst/>
@@ -8963,10 +9444,10 @@
       </p:pic>
       <p:sp>
         <p:nvSpPr>
-          <p:cNvPr id="8" name="TextBox 7">
-            <a:extLst>
-              <a:ext uri="{FF2B5EF4-FFF2-40B4-BE49-F238E27FC236}">
-                <a16:creationId xmlns:a16="http://schemas.microsoft.com/office/drawing/2014/main" id="{0D80519B-DFB5-43AB-96AC-18C45802C463}"/>
+          <p:cNvPr id="7" name="TextBox 6">
+            <a:extLst>
+              <a:ext uri="{FF2B5EF4-FFF2-40B4-BE49-F238E27FC236}">
+                <a16:creationId xmlns:a16="http://schemas.microsoft.com/office/drawing/2014/main" id="{D64B6967-C845-4563-A6BB-31FCEB633945}"/>
               </a:ext>
             </a:extLst>
           </p:cNvPr>
@@ -8975,8 +9456,8 @@
         </p:nvSpPr>
         <p:spPr>
           <a:xfrm>
-            <a:off x="5153890" y="6258296"/>
-            <a:ext cx="2089355" cy="369332"/>
+            <a:off x="375556" y="2381742"/>
+            <a:ext cx="11677897" cy="369332"/>
           </a:xfrm>
           <a:prstGeom prst="rect">
             <a:avLst/>
@@ -8984,59 +9465,53 @@
           <a:noFill/>
         </p:spPr>
         <p:txBody>
-          <a:bodyPr wrap="none" rtlCol="0">
+          <a:bodyPr wrap="square">
             <a:spAutoFit/>
           </a:bodyPr>
           <a:lstStyle/>
           <a:p>
             <a:r>
-              <a:rPr lang="ru-RU" dirty="0">
-                <a:solidFill>
-                  <a:schemeClr val="tx1">
-                    <a:lumMod val="65000"/>
-                    <a:lumOff val="35000"/>
-                  </a:schemeClr>
-                </a:solidFill>
-              </a:rPr>
-              <a:t>Пример </a:t>
-            </a:r>
-            <a:r>
-              <a:rPr lang="en-US" dirty="0">
-                <a:solidFill>
-                  <a:schemeClr val="tx1">
-                    <a:lumMod val="65000"/>
-                    <a:lumOff val="35000"/>
-                  </a:schemeClr>
-                </a:solidFill>
-              </a:rPr>
-              <a:t>SCSS </a:t>
-            </a:r>
-            <a:r>
-              <a:rPr lang="ru-RU" dirty="0">
-                <a:solidFill>
-                  <a:schemeClr val="tx1">
-                    <a:lumMod val="65000"/>
-                    <a:lumOff val="35000"/>
-                  </a:schemeClr>
-                </a:solidFill>
-              </a:rPr>
-              <a:t>кода</a:t>
-            </a:r>
-            <a:endParaRPr lang="en-US" dirty="0">
-              <a:solidFill>
-                <a:schemeClr val="tx1">
-                  <a:lumMod val="65000"/>
-                  <a:lumOff val="35000"/>
-                </a:schemeClr>
-              </a:solidFill>
-            </a:endParaRPr>
-          </a:p>
-        </p:txBody>
-      </p:sp>
+              <a:rPr lang="ru-RU" dirty="0"/>
+              <a:t>У SCSS есть «родной брат» - SASS. Отличаются они лишь синтаксисом и то не значительно. </a:t>
+            </a:r>
+            <a:endParaRPr lang="en-US" dirty="0"/>
+          </a:p>
+        </p:txBody>
+      </p:sp>
+      <p:pic>
+        <p:nvPicPr>
+          <p:cNvPr id="9" name="Picture 8">
+            <a:extLst>
+              <a:ext uri="{FF2B5EF4-FFF2-40B4-BE49-F238E27FC236}">
+                <a16:creationId xmlns:a16="http://schemas.microsoft.com/office/drawing/2014/main" id="{B89F14B8-00C1-4A66-B752-03A2085BB933}"/>
+              </a:ext>
+            </a:extLst>
+          </p:cNvPr>
+          <p:cNvPicPr>
+            <a:picLocks noChangeAspect="1"/>
+          </p:cNvPicPr>
+          <p:nvPr/>
+        </p:nvPicPr>
+        <p:blipFill>
+          <a:blip r:embed="rId3"/>
+          <a:stretch>
+            <a:fillRect/>
+          </a:stretch>
+        </p:blipFill>
+        <p:spPr>
+          <a:xfrm>
+            <a:off x="1270165" y="2923266"/>
+            <a:ext cx="8915400" cy="3076575"/>
+          </a:xfrm>
+          <a:prstGeom prst="rect">
+            <a:avLst/>
+          </a:prstGeom>
+        </p:spPr>
+      </p:pic>
     </p:spTree>
     <p:extLst>
       <p:ext uri="{BB962C8B-B14F-4D97-AF65-F5344CB8AC3E}">
-        <p14:creationId xmlns:p14="http://schemas.microsoft.com/office/powerpoint/2010/main" val="4281733297"/>
+        <p14:creationId xmlns:p14="http://schemas.microsoft.com/office/powerpoint/2010/main" val="746985623"/>
       </p:ext>
     </p:extLst>
   </p:cSld>
